--- a/consegna/Presentazione_ProgettoDomotica_Ruberto_Bosco_Gübli.pptx
+++ b/consegna/Presentazione_ProgettoDomotica_Ruberto_Bosco_Gübli.pptx
@@ -5,24 +5,23 @@
     <p:sldMasterId id="2147483648" r:id="rId1"/>
   </p:sldMasterIdLst>
   <p:notesMasterIdLst>
-    <p:notesMasterId r:id="rId17"/>
+    <p:notesMasterId r:id="rId16"/>
   </p:notesMasterIdLst>
   <p:sldIdLst>
     <p:sldId id="256" r:id="rId2"/>
     <p:sldId id="257" r:id="rId3"/>
     <p:sldId id="267" r:id="rId4"/>
-    <p:sldId id="273" r:id="rId5"/>
-    <p:sldId id="259" r:id="rId6"/>
-    <p:sldId id="266" r:id="rId7"/>
-    <p:sldId id="275" r:id="rId8"/>
-    <p:sldId id="274" r:id="rId9"/>
-    <p:sldId id="271" r:id="rId10"/>
-    <p:sldId id="276" r:id="rId11"/>
-    <p:sldId id="270" r:id="rId12"/>
-    <p:sldId id="269" r:id="rId13"/>
-    <p:sldId id="268" r:id="rId14"/>
-    <p:sldId id="272" r:id="rId15"/>
-    <p:sldId id="277" r:id="rId16"/>
+    <p:sldId id="259" r:id="rId5"/>
+    <p:sldId id="266" r:id="rId6"/>
+    <p:sldId id="274" r:id="rId7"/>
+    <p:sldId id="269" r:id="rId8"/>
+    <p:sldId id="278" r:id="rId9"/>
+    <p:sldId id="275" r:id="rId10"/>
+    <p:sldId id="270" r:id="rId11"/>
+    <p:sldId id="271" r:id="rId12"/>
+    <p:sldId id="273" r:id="rId13"/>
+    <p:sldId id="272" r:id="rId14"/>
+    <p:sldId id="277" r:id="rId15"/>
   </p:sldIdLst>
   <p:sldSz cx="12192000" cy="6858000"/>
   <p:notesSz cx="6858000" cy="9144000"/>
@@ -211,7 +210,7 @@
           <a:p>
             <a:fld id="{E1601F66-F1D6-4845-A1EF-3B74036EC7C0}" type="datetimeFigureOut">
               <a:rPr lang="it-CH" smtClean="0"/>
-              <a:t>22.05.2019</a:t>
+              <a:t>24.05.2019</a:t>
             </a:fld>
             <a:endParaRPr lang="it-CH"/>
           </a:p>
@@ -575,90 +574,6 @@
 </p:notes>
 </file>
 
-<file path=ppt/notesSlides/notesSlide10.xml><?xml version="1.0" encoding="utf-8"?>
-<p:notes xmlns:a="http://schemas.openxmlformats.org/drawingml/2006/main" xmlns:r="http://schemas.openxmlformats.org/officeDocument/2006/relationships" xmlns:p="http://schemas.openxmlformats.org/presentationml/2006/main">
-  <p:cSld>
-    <p:spTree>
-      <p:nvGrpSpPr>
-        <p:cNvPr id="1" name=""/>
-        <p:cNvGrpSpPr/>
-        <p:nvPr/>
-      </p:nvGrpSpPr>
-      <p:grpSpPr>
-        <a:xfrm>
-          <a:off x="0" y="0"/>
-          <a:ext cx="0" cy="0"/>
-          <a:chOff x="0" y="0"/>
-          <a:chExt cx="0" cy="0"/>
-        </a:xfrm>
-      </p:grpSpPr>
-      <p:sp>
-        <p:nvSpPr>
-          <p:cNvPr id="2" name="Slide Image Placeholder 1"/>
-          <p:cNvSpPr>
-            <a:spLocks noGrp="1" noRot="1" noChangeAspect="1"/>
-          </p:cNvSpPr>
-          <p:nvPr>
-            <p:ph type="sldImg"/>
-          </p:nvPr>
-        </p:nvSpPr>
-        <p:spPr/>
-      </p:sp>
-      <p:sp>
-        <p:nvSpPr>
-          <p:cNvPr id="3" name="Notes Placeholder 2"/>
-          <p:cNvSpPr>
-            <a:spLocks noGrp="1"/>
-          </p:cNvSpPr>
-          <p:nvPr>
-            <p:ph type="body" idx="1"/>
-          </p:nvPr>
-        </p:nvSpPr>
-        <p:spPr/>
-        <p:txBody>
-          <a:bodyPr/>
-          <a:lstStyle/>
-          <a:p>
-            <a:endParaRPr lang="it-CH" dirty="0"/>
-          </a:p>
-        </p:txBody>
-      </p:sp>
-      <p:sp>
-        <p:nvSpPr>
-          <p:cNvPr id="4" name="Slide Number Placeholder 3"/>
-          <p:cNvSpPr>
-            <a:spLocks noGrp="1"/>
-          </p:cNvSpPr>
-          <p:nvPr>
-            <p:ph type="sldNum" sz="quarter" idx="5"/>
-          </p:nvPr>
-        </p:nvSpPr>
-        <p:spPr/>
-        <p:txBody>
-          <a:bodyPr/>
-          <a:lstStyle/>
-          <a:p>
-            <a:fld id="{41B5BFE6-0C32-4B35-8BDF-B5A014C7FC68}" type="slidenum">
-              <a:rPr lang="it-CH" smtClean="0"/>
-              <a:t>14</a:t>
-            </a:fld>
-            <a:endParaRPr lang="it-CH"/>
-          </a:p>
-        </p:txBody>
-      </p:sp>
-    </p:spTree>
-    <p:extLst>
-      <p:ext uri="{BB962C8B-B14F-4D97-AF65-F5344CB8AC3E}">
-        <p14:creationId xmlns:p14="http://schemas.microsoft.com/office/powerpoint/2010/main" val="3955240797"/>
-      </p:ext>
-    </p:extLst>
-  </p:cSld>
-  <p:clrMapOvr>
-    <a:masterClrMapping/>
-  </p:clrMapOvr>
-</p:notes>
-</file>
-
 <file path=ppt/notesSlides/notesSlide2.xml><?xml version="1.0" encoding="utf-8"?>
 <p:notes xmlns:a="http://schemas.openxmlformats.org/drawingml/2006/main" xmlns:r="http://schemas.openxmlformats.org/officeDocument/2006/relationships" xmlns:p="http://schemas.openxmlformats.org/presentationml/2006/main">
   <p:cSld>
@@ -851,7 +766,7 @@
           <a:p>
             <a:fld id="{41B5BFE6-0C32-4B35-8BDF-B5A014C7FC68}" type="slidenum">
               <a:rPr lang="it-CH" smtClean="0"/>
-              <a:t>5</a:t>
+              <a:t>4</a:t>
             </a:fld>
             <a:endParaRPr lang="it-CH"/>
           </a:p>
@@ -935,7 +850,7 @@
           <a:p>
             <a:fld id="{41B5BFE6-0C32-4B35-8BDF-B5A014C7FC68}" type="slidenum">
               <a:rPr lang="it-CH" smtClean="0"/>
-              <a:t>6</a:t>
+              <a:t>5</a:t>
             </a:fld>
             <a:endParaRPr lang="it-CH"/>
           </a:p>
@@ -1019,7 +934,7 @@
           <a:p>
             <a:fld id="{41B5BFE6-0C32-4B35-8BDF-B5A014C7FC68}" type="slidenum">
               <a:rPr lang="it-CH" smtClean="0"/>
-              <a:t>8</a:t>
+              <a:t>6</a:t>
             </a:fld>
             <a:endParaRPr lang="it-CH"/>
           </a:p>
@@ -1103,7 +1018,7 @@
           <a:p>
             <a:fld id="{41B5BFE6-0C32-4B35-8BDF-B5A014C7FC68}" type="slidenum">
               <a:rPr lang="it-CH" smtClean="0"/>
-              <a:t>9</a:t>
+              <a:t>7</a:t>
             </a:fld>
             <a:endParaRPr lang="it-CH"/>
           </a:p>
@@ -1112,7 +1027,7 @@
     </p:spTree>
     <p:extLst>
       <p:ext uri="{BB962C8B-B14F-4D97-AF65-F5344CB8AC3E}">
-        <p14:creationId xmlns:p14="http://schemas.microsoft.com/office/powerpoint/2010/main" val="1851314827"/>
+        <p14:creationId xmlns:p14="http://schemas.microsoft.com/office/powerpoint/2010/main" val="2603366699"/>
       </p:ext>
     </p:extLst>
   </p:cSld>
@@ -1187,7 +1102,7 @@
           <a:p>
             <a:fld id="{41B5BFE6-0C32-4B35-8BDF-B5A014C7FC68}" type="slidenum">
               <a:rPr lang="it-CH" smtClean="0"/>
-              <a:t>11</a:t>
+              <a:t>10</a:t>
             </a:fld>
             <a:endParaRPr lang="it-CH"/>
           </a:p>
@@ -1271,7 +1186,7 @@
           <a:p>
             <a:fld id="{41B5BFE6-0C32-4B35-8BDF-B5A014C7FC68}" type="slidenum">
               <a:rPr lang="it-CH" smtClean="0"/>
-              <a:t>12</a:t>
+              <a:t>11</a:t>
             </a:fld>
             <a:endParaRPr lang="it-CH"/>
           </a:p>
@@ -1280,7 +1195,7 @@
     </p:spTree>
     <p:extLst>
       <p:ext uri="{BB962C8B-B14F-4D97-AF65-F5344CB8AC3E}">
-        <p14:creationId xmlns:p14="http://schemas.microsoft.com/office/powerpoint/2010/main" val="2603366699"/>
+        <p14:creationId xmlns:p14="http://schemas.microsoft.com/office/powerpoint/2010/main" val="1851314827"/>
       </p:ext>
     </p:extLst>
   </p:cSld>
@@ -1364,7 +1279,7 @@
     </p:spTree>
     <p:extLst>
       <p:ext uri="{BB962C8B-B14F-4D97-AF65-F5344CB8AC3E}">
-        <p14:creationId xmlns:p14="http://schemas.microsoft.com/office/powerpoint/2010/main" val="2367168763"/>
+        <p14:creationId xmlns:p14="http://schemas.microsoft.com/office/powerpoint/2010/main" val="3955240797"/>
       </p:ext>
     </p:extLst>
   </p:cSld>
@@ -1523,7 +1438,7 @@
           <a:p>
             <a:fld id="{1771A621-C728-4886-904F-8520FED1FC0E}" type="datetimeFigureOut">
               <a:rPr lang="it-CH" smtClean="0"/>
-              <a:t>22.05.2019</a:t>
+              <a:t>24.05.2019</a:t>
             </a:fld>
             <a:endParaRPr lang="it-CH"/>
           </a:p>
@@ -1723,7 +1638,7 @@
           <a:p>
             <a:fld id="{1771A621-C728-4886-904F-8520FED1FC0E}" type="datetimeFigureOut">
               <a:rPr lang="it-CH" smtClean="0"/>
-              <a:t>22.05.2019</a:t>
+              <a:t>24.05.2019</a:t>
             </a:fld>
             <a:endParaRPr lang="it-CH"/>
           </a:p>
@@ -1933,7 +1848,7 @@
           <a:p>
             <a:fld id="{1771A621-C728-4886-904F-8520FED1FC0E}" type="datetimeFigureOut">
               <a:rPr lang="it-CH" smtClean="0"/>
-              <a:t>22.05.2019</a:t>
+              <a:t>24.05.2019</a:t>
             </a:fld>
             <a:endParaRPr lang="it-CH"/>
           </a:p>
@@ -2133,7 +2048,7 @@
           <a:p>
             <a:fld id="{1771A621-C728-4886-904F-8520FED1FC0E}" type="datetimeFigureOut">
               <a:rPr lang="it-CH" smtClean="0"/>
-              <a:t>22.05.2019</a:t>
+              <a:t>24.05.2019</a:t>
             </a:fld>
             <a:endParaRPr lang="it-CH"/>
           </a:p>
@@ -2409,7 +2324,7 @@
           <a:p>
             <a:fld id="{1771A621-C728-4886-904F-8520FED1FC0E}" type="datetimeFigureOut">
               <a:rPr lang="it-CH" smtClean="0"/>
-              <a:t>22.05.2019</a:t>
+              <a:t>24.05.2019</a:t>
             </a:fld>
             <a:endParaRPr lang="it-CH"/>
           </a:p>
@@ -2677,7 +2592,7 @@
           <a:p>
             <a:fld id="{1771A621-C728-4886-904F-8520FED1FC0E}" type="datetimeFigureOut">
               <a:rPr lang="it-CH" smtClean="0"/>
-              <a:t>22.05.2019</a:t>
+              <a:t>24.05.2019</a:t>
             </a:fld>
             <a:endParaRPr lang="it-CH"/>
           </a:p>
@@ -3092,7 +3007,7 @@
           <a:p>
             <a:fld id="{1771A621-C728-4886-904F-8520FED1FC0E}" type="datetimeFigureOut">
               <a:rPr lang="it-CH" smtClean="0"/>
-              <a:t>22.05.2019</a:t>
+              <a:t>24.05.2019</a:t>
             </a:fld>
             <a:endParaRPr lang="it-CH"/>
           </a:p>
@@ -3234,7 +3149,7 @@
           <a:p>
             <a:fld id="{1771A621-C728-4886-904F-8520FED1FC0E}" type="datetimeFigureOut">
               <a:rPr lang="it-CH" smtClean="0"/>
-              <a:t>22.05.2019</a:t>
+              <a:t>24.05.2019</a:t>
             </a:fld>
             <a:endParaRPr lang="it-CH"/>
           </a:p>
@@ -3347,7 +3262,7 @@
           <a:p>
             <a:fld id="{1771A621-C728-4886-904F-8520FED1FC0E}" type="datetimeFigureOut">
               <a:rPr lang="it-CH" smtClean="0"/>
-              <a:t>22.05.2019</a:t>
+              <a:t>24.05.2019</a:t>
             </a:fld>
             <a:endParaRPr lang="it-CH"/>
           </a:p>
@@ -3660,7 +3575,7 @@
           <a:p>
             <a:fld id="{1771A621-C728-4886-904F-8520FED1FC0E}" type="datetimeFigureOut">
               <a:rPr lang="it-CH" smtClean="0"/>
-              <a:t>22.05.2019</a:t>
+              <a:t>24.05.2019</a:t>
             </a:fld>
             <a:endParaRPr lang="it-CH"/>
           </a:p>
@@ -3949,7 +3864,7 @@
           <a:p>
             <a:fld id="{1771A621-C728-4886-904F-8520FED1FC0E}" type="datetimeFigureOut">
               <a:rPr lang="it-CH" smtClean="0"/>
-              <a:t>22.05.2019</a:t>
+              <a:t>24.05.2019</a:t>
             </a:fld>
             <a:endParaRPr lang="it-CH"/>
           </a:p>
@@ -4192,7 +4107,7 @@
           <a:p>
             <a:fld id="{1771A621-C728-4886-904F-8520FED1FC0E}" type="datetimeFigureOut">
               <a:rPr lang="it-CH" smtClean="0"/>
-              <a:t>22.05.2019</a:t>
+              <a:t>24.05.2019</a:t>
             </a:fld>
             <a:endParaRPr lang="it-CH"/>
           </a:p>
@@ -4703,122 +4618,6 @@
           <p:cNvPr id="2" name="Title 1">
             <a:extLst>
               <a:ext uri="{FF2B5EF4-FFF2-40B4-BE49-F238E27FC236}">
-                <a16:creationId xmlns:a16="http://schemas.microsoft.com/office/drawing/2014/main" id="{20977145-BD85-4F40-A216-5513618730FA}"/>
-              </a:ext>
-            </a:extLst>
-          </p:cNvPr>
-          <p:cNvSpPr>
-            <a:spLocks noGrp="1"/>
-          </p:cNvSpPr>
-          <p:nvPr>
-            <p:ph type="title"/>
-          </p:nvPr>
-        </p:nvSpPr>
-        <p:spPr/>
-        <p:txBody>
-          <a:bodyPr/>
-          <a:lstStyle/>
-          <a:p>
-            <a:pPr algn="ctr"/>
-            <a:r>
-              <a:rPr lang="it-CH" dirty="0">
-                <a:latin typeface="Helvetica" panose="020B0604020202020204" pitchFamily="34" charset="0"/>
-                <a:cs typeface="Helvetica" panose="020B0604020202020204" pitchFamily="34" charset="0"/>
-              </a:rPr>
-              <a:t>ACC-Client</a:t>
-            </a:r>
-          </a:p>
-        </p:txBody>
-      </p:sp>
-      <p:sp>
-        <p:nvSpPr>
-          <p:cNvPr id="3" name="Content Placeholder 2">
-            <a:extLst>
-              <a:ext uri="{FF2B5EF4-FFF2-40B4-BE49-F238E27FC236}">
-                <a16:creationId xmlns:a16="http://schemas.microsoft.com/office/drawing/2014/main" id="{BAD996C7-B7F4-4C68-9EEB-F3D69A2454AA}"/>
-              </a:ext>
-            </a:extLst>
-          </p:cNvPr>
-          <p:cNvSpPr>
-            <a:spLocks noGrp="1"/>
-          </p:cNvSpPr>
-          <p:nvPr>
-            <p:ph idx="1"/>
-          </p:nvPr>
-        </p:nvSpPr>
-        <p:spPr>
-          <a:xfrm>
-            <a:off x="838200" y="2020934"/>
-            <a:ext cx="10515600" cy="4351338"/>
-          </a:xfrm>
-        </p:spPr>
-        <p:txBody>
-          <a:bodyPr/>
-          <a:lstStyle/>
-          <a:p>
-            <a:r>
-              <a:rPr lang="it-CH" dirty="0"/>
-              <a:t>Client-ID</a:t>
-            </a:r>
-          </a:p>
-          <a:p>
-            <a:r>
-              <a:rPr lang="it-CH" dirty="0"/>
-              <a:t>Autoconfiguration</a:t>
-            </a:r>
-          </a:p>
-          <a:p>
-            <a:r>
-              <a:rPr lang="it-CH" dirty="0"/>
-              <a:t>Client-Key</a:t>
-            </a:r>
-          </a:p>
-          <a:p>
-            <a:r>
-              <a:rPr lang="it-CH" dirty="0"/>
-              <a:t>Get, Set, Set Toggle</a:t>
-            </a:r>
-          </a:p>
-          <a:p>
-            <a:endParaRPr lang="it-CH" dirty="0"/>
-          </a:p>
-        </p:txBody>
-      </p:sp>
-    </p:spTree>
-    <p:extLst>
-      <p:ext uri="{BB962C8B-B14F-4D97-AF65-F5344CB8AC3E}">
-        <p14:creationId xmlns:p14="http://schemas.microsoft.com/office/powerpoint/2010/main" val="31546285"/>
-      </p:ext>
-    </p:extLst>
-  </p:cSld>
-  <p:clrMapOvr>
-    <a:masterClrMapping/>
-  </p:clrMapOvr>
-</p:sld>
-</file>
-
-<file path=ppt/slides/slide11.xml><?xml version="1.0" encoding="utf-8"?>
-<p:sld xmlns:a="http://schemas.openxmlformats.org/drawingml/2006/main" xmlns:r="http://schemas.openxmlformats.org/officeDocument/2006/relationships" xmlns:p="http://schemas.openxmlformats.org/presentationml/2006/main">
-  <p:cSld>
-    <p:spTree>
-      <p:nvGrpSpPr>
-        <p:cNvPr id="1" name=""/>
-        <p:cNvGrpSpPr/>
-        <p:nvPr/>
-      </p:nvGrpSpPr>
-      <p:grpSpPr>
-        <a:xfrm>
-          <a:off x="0" y="0"/>
-          <a:ext cx="0" cy="0"/>
-          <a:chOff x="0" y="0"/>
-          <a:chExt cx="0" cy="0"/>
-        </a:xfrm>
-      </p:grpSpPr>
-      <p:sp>
-        <p:nvSpPr>
-          <p:cNvPr id="2" name="Title 1">
-            <a:extLst>
-              <a:ext uri="{FF2B5EF4-FFF2-40B4-BE49-F238E27FC236}">
                 <a16:creationId xmlns:a16="http://schemas.microsoft.com/office/drawing/2014/main" id="{7F41E4F4-73D1-48E9-AFD3-D287D349CFBF}"/>
               </a:ext>
             </a:extLst>
@@ -4952,6 +4751,411 @@
 </p:sld>
 </file>
 
+<file path=ppt/slides/slide11.xml><?xml version="1.0" encoding="utf-8"?>
+<p:sld xmlns:a="http://schemas.openxmlformats.org/drawingml/2006/main" xmlns:r="http://schemas.openxmlformats.org/officeDocument/2006/relationships" xmlns:p="http://schemas.openxmlformats.org/presentationml/2006/main">
+  <p:cSld>
+    <p:spTree>
+      <p:nvGrpSpPr>
+        <p:cNvPr id="1" name=""/>
+        <p:cNvGrpSpPr/>
+        <p:nvPr/>
+      </p:nvGrpSpPr>
+      <p:grpSpPr>
+        <a:xfrm>
+          <a:off x="0" y="0"/>
+          <a:ext cx="0" cy="0"/>
+          <a:chOff x="0" y="0"/>
+          <a:chExt cx="0" cy="0"/>
+        </a:xfrm>
+      </p:grpSpPr>
+      <p:sp>
+        <p:nvSpPr>
+          <p:cNvPr id="2" name="Title 1">
+            <a:extLst>
+              <a:ext uri="{FF2B5EF4-FFF2-40B4-BE49-F238E27FC236}">
+                <a16:creationId xmlns:a16="http://schemas.microsoft.com/office/drawing/2014/main" id="{7F41E4F4-73D1-48E9-AFD3-D287D349CFBF}"/>
+              </a:ext>
+            </a:extLst>
+          </p:cNvPr>
+          <p:cNvSpPr>
+            <a:spLocks noGrp="1"/>
+          </p:cNvSpPr>
+          <p:nvPr>
+            <p:ph type="title"/>
+          </p:nvPr>
+        </p:nvSpPr>
+        <p:spPr/>
+        <p:txBody>
+          <a:bodyPr/>
+          <a:lstStyle/>
+          <a:p>
+            <a:pPr algn="ctr"/>
+            <a:r>
+              <a:rPr lang="it-CH" dirty="0" smtClean="0">
+                <a:latin typeface="Helvetica" panose="020B0604020202020204" pitchFamily="34" charset="0"/>
+                <a:cs typeface="Helvetica" panose="020B0604020202020204" pitchFamily="34" charset="0"/>
+              </a:rPr>
+              <a:t>ACC-Server</a:t>
+            </a:r>
+            <a:endParaRPr lang="it-CH" dirty="0">
+              <a:latin typeface="Helvetica" panose="020B0604020202020204" pitchFamily="34" charset="0"/>
+              <a:cs typeface="Helvetica" panose="020B0604020202020204" pitchFamily="34" charset="0"/>
+            </a:endParaRPr>
+          </a:p>
+        </p:txBody>
+      </p:sp>
+      <p:sp>
+        <p:nvSpPr>
+          <p:cNvPr id="3" name="Content Placeholder 2">
+            <a:extLst>
+              <a:ext uri="{FF2B5EF4-FFF2-40B4-BE49-F238E27FC236}">
+                <a16:creationId xmlns:a16="http://schemas.microsoft.com/office/drawing/2014/main" id="{CEAD64F6-9F54-4194-94B8-A5D6727B3EC4}"/>
+              </a:ext>
+            </a:extLst>
+          </p:cNvPr>
+          <p:cNvSpPr>
+            <a:spLocks noGrp="1"/>
+          </p:cNvSpPr>
+          <p:nvPr>
+            <p:ph idx="1"/>
+          </p:nvPr>
+        </p:nvSpPr>
+        <p:spPr>
+          <a:xfrm>
+            <a:off x="838200" y="1608005"/>
+            <a:ext cx="10515600" cy="1618080"/>
+          </a:xfrm>
+        </p:spPr>
+        <p:txBody>
+          <a:bodyPr/>
+          <a:lstStyle/>
+          <a:p>
+            <a:r>
+              <a:rPr lang="it-CH" dirty="0"/>
+              <a:t>Comunicazione</a:t>
+            </a:r>
+          </a:p>
+          <a:p>
+            <a:r>
+              <a:rPr lang="it-CH" dirty="0"/>
+              <a:t>Key e ID</a:t>
+            </a:r>
+          </a:p>
+          <a:p>
+            <a:r>
+              <a:rPr lang="it-CH" dirty="0"/>
+              <a:t>Server</a:t>
+            </a:r>
+          </a:p>
+          <a:p>
+            <a:endParaRPr lang="it-CH" dirty="0"/>
+          </a:p>
+          <a:p>
+            <a:endParaRPr lang="it-CH" dirty="0"/>
+          </a:p>
+          <a:p>
+            <a:endParaRPr lang="it-CH" dirty="0"/>
+          </a:p>
+          <a:p>
+            <a:endParaRPr lang="it-CH" dirty="0"/>
+          </a:p>
+        </p:txBody>
+      </p:sp>
+      <p:sp>
+        <p:nvSpPr>
+          <p:cNvPr id="4" name="Title 1">
+            <a:extLst>
+              <a:ext uri="{FF2B5EF4-FFF2-40B4-BE49-F238E27FC236}">
+                <a16:creationId xmlns:a16="http://schemas.microsoft.com/office/drawing/2014/main" id="{7F41E4F4-73D1-48E9-AFD3-D287D349CFBF}"/>
+              </a:ext>
+            </a:extLst>
+          </p:cNvPr>
+          <p:cNvSpPr txBox="1">
+            <a:spLocks/>
+          </p:cNvSpPr>
+          <p:nvPr/>
+        </p:nvSpPr>
+        <p:spPr>
+          <a:xfrm>
+            <a:off x="728610" y="3070654"/>
+            <a:ext cx="10515600" cy="1325563"/>
+          </a:xfrm>
+          <a:prstGeom prst="rect">
+            <a:avLst/>
+          </a:prstGeom>
+        </p:spPr>
+        <p:txBody>
+          <a:bodyPr vert="horz" lIns="91440" tIns="45720" rIns="91440" bIns="45720" rtlCol="0" anchor="ctr">
+            <a:normAutofit/>
+          </a:bodyPr>
+          <a:lstStyle>
+            <a:lvl1pPr algn="l" defTabSz="914400" rtl="0" eaLnBrk="1" latinLnBrk="0" hangingPunct="1">
+              <a:lnSpc>
+                <a:spcPct val="90000"/>
+              </a:lnSpc>
+              <a:spcBef>
+                <a:spcPct val="0"/>
+              </a:spcBef>
+              <a:buNone/>
+              <a:defRPr sz="4400" kern="1200">
+                <a:solidFill>
+                  <a:schemeClr val="tx1"/>
+                </a:solidFill>
+                <a:latin typeface="+mj-lt"/>
+                <a:ea typeface="+mj-ea"/>
+                <a:cs typeface="+mj-cs"/>
+              </a:defRPr>
+            </a:lvl1pPr>
+          </a:lstStyle>
+          <a:p>
+            <a:pPr algn="ctr"/>
+            <a:r>
+              <a:rPr lang="it-CH" dirty="0" smtClean="0">
+                <a:latin typeface="Helvetica" panose="020B0604020202020204" pitchFamily="34" charset="0"/>
+                <a:cs typeface="Helvetica" panose="020B0604020202020204" pitchFamily="34" charset="0"/>
+              </a:rPr>
+              <a:t>ACC-Client</a:t>
+            </a:r>
+            <a:endParaRPr lang="it-CH" dirty="0">
+              <a:latin typeface="Helvetica" panose="020B0604020202020204" pitchFamily="34" charset="0"/>
+              <a:cs typeface="Helvetica" panose="020B0604020202020204" pitchFamily="34" charset="0"/>
+            </a:endParaRPr>
+          </a:p>
+        </p:txBody>
+      </p:sp>
+      <p:sp>
+        <p:nvSpPr>
+          <p:cNvPr id="5" name="Content Placeholder 2">
+            <a:extLst>
+              <a:ext uri="{FF2B5EF4-FFF2-40B4-BE49-F238E27FC236}">
+                <a16:creationId xmlns:a16="http://schemas.microsoft.com/office/drawing/2014/main" id="{BAD996C7-B7F4-4C68-9EEB-F3D69A2454AA}"/>
+              </a:ext>
+            </a:extLst>
+          </p:cNvPr>
+          <p:cNvSpPr txBox="1">
+            <a:spLocks/>
+          </p:cNvSpPr>
+          <p:nvPr/>
+        </p:nvSpPr>
+        <p:spPr>
+          <a:xfrm>
+            <a:off x="728610" y="4137410"/>
+            <a:ext cx="4057436" cy="2340446"/>
+          </a:xfrm>
+          <a:prstGeom prst="rect">
+            <a:avLst/>
+          </a:prstGeom>
+        </p:spPr>
+        <p:txBody>
+          <a:bodyPr vert="horz" lIns="91440" tIns="45720" rIns="91440" bIns="45720" rtlCol="0">
+            <a:normAutofit/>
+          </a:bodyPr>
+          <a:lstStyle>
+            <a:lvl1pPr marL="228600" indent="-228600" algn="l" defTabSz="914400" rtl="0" eaLnBrk="1" latinLnBrk="0" hangingPunct="1">
+              <a:lnSpc>
+                <a:spcPct val="90000"/>
+              </a:lnSpc>
+              <a:spcBef>
+                <a:spcPts val="1000"/>
+              </a:spcBef>
+              <a:buFont typeface="Arial" panose="020B0604020202020204" pitchFamily="34" charset="0"/>
+              <a:buChar char="•"/>
+              <a:defRPr sz="2800" kern="1200">
+                <a:solidFill>
+                  <a:schemeClr val="tx1"/>
+                </a:solidFill>
+                <a:latin typeface="+mn-lt"/>
+                <a:ea typeface="+mn-ea"/>
+                <a:cs typeface="+mn-cs"/>
+              </a:defRPr>
+            </a:lvl1pPr>
+            <a:lvl2pPr marL="685800" indent="-228600" algn="l" defTabSz="914400" rtl="0" eaLnBrk="1" latinLnBrk="0" hangingPunct="1">
+              <a:lnSpc>
+                <a:spcPct val="90000"/>
+              </a:lnSpc>
+              <a:spcBef>
+                <a:spcPts val="500"/>
+              </a:spcBef>
+              <a:buFont typeface="Arial" panose="020B0604020202020204" pitchFamily="34" charset="0"/>
+              <a:buChar char="•"/>
+              <a:defRPr sz="2400" kern="1200">
+                <a:solidFill>
+                  <a:schemeClr val="tx1"/>
+                </a:solidFill>
+                <a:latin typeface="+mn-lt"/>
+                <a:ea typeface="+mn-ea"/>
+                <a:cs typeface="+mn-cs"/>
+              </a:defRPr>
+            </a:lvl2pPr>
+            <a:lvl3pPr marL="1143000" indent="-228600" algn="l" defTabSz="914400" rtl="0" eaLnBrk="1" latinLnBrk="0" hangingPunct="1">
+              <a:lnSpc>
+                <a:spcPct val="90000"/>
+              </a:lnSpc>
+              <a:spcBef>
+                <a:spcPts val="500"/>
+              </a:spcBef>
+              <a:buFont typeface="Arial" panose="020B0604020202020204" pitchFamily="34" charset="0"/>
+              <a:buChar char="•"/>
+              <a:defRPr sz="2000" kern="1200">
+                <a:solidFill>
+                  <a:schemeClr val="tx1"/>
+                </a:solidFill>
+                <a:latin typeface="+mn-lt"/>
+                <a:ea typeface="+mn-ea"/>
+                <a:cs typeface="+mn-cs"/>
+              </a:defRPr>
+            </a:lvl3pPr>
+            <a:lvl4pPr marL="1600200" indent="-228600" algn="l" defTabSz="914400" rtl="0" eaLnBrk="1" latinLnBrk="0" hangingPunct="1">
+              <a:lnSpc>
+                <a:spcPct val="90000"/>
+              </a:lnSpc>
+              <a:spcBef>
+                <a:spcPts val="500"/>
+              </a:spcBef>
+              <a:buFont typeface="Arial" panose="020B0604020202020204" pitchFamily="34" charset="0"/>
+              <a:buChar char="•"/>
+              <a:defRPr sz="1800" kern="1200">
+                <a:solidFill>
+                  <a:schemeClr val="tx1"/>
+                </a:solidFill>
+                <a:latin typeface="+mn-lt"/>
+                <a:ea typeface="+mn-ea"/>
+                <a:cs typeface="+mn-cs"/>
+              </a:defRPr>
+            </a:lvl4pPr>
+            <a:lvl5pPr marL="2057400" indent="-228600" algn="l" defTabSz="914400" rtl="0" eaLnBrk="1" latinLnBrk="0" hangingPunct="1">
+              <a:lnSpc>
+                <a:spcPct val="90000"/>
+              </a:lnSpc>
+              <a:spcBef>
+                <a:spcPts val="500"/>
+              </a:spcBef>
+              <a:buFont typeface="Arial" panose="020B0604020202020204" pitchFamily="34" charset="0"/>
+              <a:buChar char="•"/>
+              <a:defRPr sz="1800" kern="1200">
+                <a:solidFill>
+                  <a:schemeClr val="tx1"/>
+                </a:solidFill>
+                <a:latin typeface="+mn-lt"/>
+                <a:ea typeface="+mn-ea"/>
+                <a:cs typeface="+mn-cs"/>
+              </a:defRPr>
+            </a:lvl5pPr>
+            <a:lvl6pPr marL="2514600" indent="-228600" algn="l" defTabSz="914400" rtl="0" eaLnBrk="1" latinLnBrk="0" hangingPunct="1">
+              <a:lnSpc>
+                <a:spcPct val="90000"/>
+              </a:lnSpc>
+              <a:spcBef>
+                <a:spcPts val="500"/>
+              </a:spcBef>
+              <a:buFont typeface="Arial" panose="020B0604020202020204" pitchFamily="34" charset="0"/>
+              <a:buChar char="•"/>
+              <a:defRPr sz="1800" kern="1200">
+                <a:solidFill>
+                  <a:schemeClr val="tx1"/>
+                </a:solidFill>
+                <a:latin typeface="+mn-lt"/>
+                <a:ea typeface="+mn-ea"/>
+                <a:cs typeface="+mn-cs"/>
+              </a:defRPr>
+            </a:lvl6pPr>
+            <a:lvl7pPr marL="2971800" indent="-228600" algn="l" defTabSz="914400" rtl="0" eaLnBrk="1" latinLnBrk="0" hangingPunct="1">
+              <a:lnSpc>
+                <a:spcPct val="90000"/>
+              </a:lnSpc>
+              <a:spcBef>
+                <a:spcPts val="500"/>
+              </a:spcBef>
+              <a:buFont typeface="Arial" panose="020B0604020202020204" pitchFamily="34" charset="0"/>
+              <a:buChar char="•"/>
+              <a:defRPr sz="1800" kern="1200">
+                <a:solidFill>
+                  <a:schemeClr val="tx1"/>
+                </a:solidFill>
+                <a:latin typeface="+mn-lt"/>
+                <a:ea typeface="+mn-ea"/>
+                <a:cs typeface="+mn-cs"/>
+              </a:defRPr>
+            </a:lvl7pPr>
+            <a:lvl8pPr marL="3429000" indent="-228600" algn="l" defTabSz="914400" rtl="0" eaLnBrk="1" latinLnBrk="0" hangingPunct="1">
+              <a:lnSpc>
+                <a:spcPct val="90000"/>
+              </a:lnSpc>
+              <a:spcBef>
+                <a:spcPts val="500"/>
+              </a:spcBef>
+              <a:buFont typeface="Arial" panose="020B0604020202020204" pitchFamily="34" charset="0"/>
+              <a:buChar char="•"/>
+              <a:defRPr sz="1800" kern="1200">
+                <a:solidFill>
+                  <a:schemeClr val="tx1"/>
+                </a:solidFill>
+                <a:latin typeface="+mn-lt"/>
+                <a:ea typeface="+mn-ea"/>
+                <a:cs typeface="+mn-cs"/>
+              </a:defRPr>
+            </a:lvl8pPr>
+            <a:lvl9pPr marL="3886200" indent="-228600" algn="l" defTabSz="914400" rtl="0" eaLnBrk="1" latinLnBrk="0" hangingPunct="1">
+              <a:lnSpc>
+                <a:spcPct val="90000"/>
+              </a:lnSpc>
+              <a:spcBef>
+                <a:spcPts val="500"/>
+              </a:spcBef>
+              <a:buFont typeface="Arial" panose="020B0604020202020204" pitchFamily="34" charset="0"/>
+              <a:buChar char="•"/>
+              <a:defRPr sz="1800" kern="1200">
+                <a:solidFill>
+                  <a:schemeClr val="tx1"/>
+                </a:solidFill>
+                <a:latin typeface="+mn-lt"/>
+                <a:ea typeface="+mn-ea"/>
+                <a:cs typeface="+mn-cs"/>
+              </a:defRPr>
+            </a:lvl9pPr>
+          </a:lstStyle>
+          <a:p>
+            <a:r>
+              <a:rPr lang="it-CH" smtClean="0"/>
+              <a:t>Client-ID</a:t>
+            </a:r>
+          </a:p>
+          <a:p>
+            <a:r>
+              <a:rPr lang="it-CH" smtClean="0"/>
+              <a:t>Autoconfiguration</a:t>
+            </a:r>
+          </a:p>
+          <a:p>
+            <a:r>
+              <a:rPr lang="it-CH" smtClean="0"/>
+              <a:t>Client-Key</a:t>
+            </a:r>
+          </a:p>
+          <a:p>
+            <a:r>
+              <a:rPr lang="it-CH" smtClean="0"/>
+              <a:t>Get, Set, Set Toggle</a:t>
+            </a:r>
+          </a:p>
+          <a:p>
+            <a:endParaRPr lang="it-CH" dirty="0"/>
+          </a:p>
+        </p:txBody>
+      </p:sp>
+    </p:spTree>
+    <p:extLst>
+      <p:ext uri="{BB962C8B-B14F-4D97-AF65-F5344CB8AC3E}">
+        <p14:creationId xmlns:p14="http://schemas.microsoft.com/office/powerpoint/2010/main" val="2284516593"/>
+      </p:ext>
+    </p:extLst>
+  </p:cSld>
+  <p:clrMapOvr>
+    <a:masterClrMapping/>
+  </p:clrMapOvr>
+</p:sld>
+</file>
+
 <file path=ppt/slides/slide12.xml><?xml version="1.0" encoding="utf-8"?>
 <p:sld xmlns:a="http://schemas.openxmlformats.org/drawingml/2006/main" xmlns:r="http://schemas.openxmlformats.org/officeDocument/2006/relationships" xmlns:p="http://schemas.openxmlformats.org/presentationml/2006/main">
   <p:cSld>
@@ -4974,7 +5178,7 @@
           <p:cNvPr id="2" name="Title 1">
             <a:extLst>
               <a:ext uri="{FF2B5EF4-FFF2-40B4-BE49-F238E27FC236}">
-                <a16:creationId xmlns:a16="http://schemas.microsoft.com/office/drawing/2014/main" id="{7F41E4F4-73D1-48E9-AFD3-D287D349CFBF}"/>
+                <a16:creationId xmlns:a16="http://schemas.microsoft.com/office/drawing/2014/main" id="{45A440B7-F453-489C-B434-7603DFB2E50E}"/>
               </a:ext>
             </a:extLst>
           </p:cNvPr>
@@ -4990,84 +5194,49 @@
           <a:bodyPr/>
           <a:lstStyle/>
           <a:p>
-            <a:pPr algn="ctr"/>
-            <a:r>
-              <a:rPr lang="it-CH" dirty="0">
-                <a:latin typeface="Helvetica" panose="020B0604020202020204" pitchFamily="34" charset="0"/>
-                <a:cs typeface="Helvetica" panose="020B0604020202020204" pitchFamily="34" charset="0"/>
-              </a:rPr>
-              <a:t>Frontend</a:t>
-            </a:r>
-          </a:p>
-        </p:txBody>
-      </p:sp>
-      <p:sp>
-        <p:nvSpPr>
-          <p:cNvPr id="3" name="Content Placeholder 2">
-            <a:extLst>
-              <a:ext uri="{FF2B5EF4-FFF2-40B4-BE49-F238E27FC236}">
-                <a16:creationId xmlns:a16="http://schemas.microsoft.com/office/drawing/2014/main" id="{CEAD64F6-9F54-4194-94B8-A5D6727B3EC4}"/>
-              </a:ext>
-            </a:extLst>
-          </p:cNvPr>
-          <p:cNvSpPr>
-            <a:spLocks noGrp="1"/>
-          </p:cNvSpPr>
+            <a:endParaRPr lang="it-CH"/>
+          </a:p>
+        </p:txBody>
+      </p:sp>
+      <p:pic>
+        <p:nvPicPr>
+          <p:cNvPr id="5" name="Content Placeholder 4">
+            <a:extLst>
+              <a:ext uri="{FF2B5EF4-FFF2-40B4-BE49-F238E27FC236}">
+                <a16:creationId xmlns:a16="http://schemas.microsoft.com/office/drawing/2014/main" id="{F1A9D332-BA11-4E84-A087-0E6508586A3E}"/>
+              </a:ext>
+            </a:extLst>
+          </p:cNvPr>
+          <p:cNvPicPr>
+            <a:picLocks noGrp="1" noChangeAspect="1"/>
+          </p:cNvPicPr>
           <p:nvPr>
             <p:ph idx="1"/>
           </p:nvPr>
-        </p:nvSpPr>
+        </p:nvPicPr>
+        <p:blipFill>
+          <a:blip r:embed="rId2">
+            <a:extLst>
+              <a:ext uri="{28A0092B-C50C-407E-A947-70E740481C1C}">
+                <a14:useLocalDpi xmlns:a14="http://schemas.microsoft.com/office/drawing/2010/main" val="0"/>
+              </a:ext>
+            </a:extLst>
+          </a:blip>
+          <a:stretch>
+            <a:fillRect/>
+          </a:stretch>
+        </p:blipFill>
         <p:spPr>
           <a:xfrm>
-            <a:off x="838200" y="2024109"/>
-            <a:ext cx="10515600" cy="4152854"/>
+            <a:off x="68239" y="257453"/>
+            <a:ext cx="12055521" cy="6235422"/>
           </a:xfrm>
         </p:spPr>
-        <p:txBody>
-          <a:bodyPr/>
-          <a:lstStyle/>
-          <a:p>
-            <a:r>
-              <a:rPr lang="it-CH" dirty="0"/>
-              <a:t>AngularJS</a:t>
-            </a:r>
-          </a:p>
-          <a:p>
-            <a:r>
-              <a:rPr lang="it-CH" dirty="0"/>
-              <a:t>Views</a:t>
-            </a:r>
-          </a:p>
-          <a:p>
-            <a:r>
-              <a:rPr lang="it-CH" dirty="0"/>
-              <a:t>Controller</a:t>
-            </a:r>
-          </a:p>
-          <a:p>
-            <a:r>
-              <a:rPr lang="it-CH" dirty="0"/>
-              <a:t>Service </a:t>
-            </a:r>
-          </a:p>
-          <a:p>
-            <a:endParaRPr lang="it-CH" dirty="0"/>
-          </a:p>
-          <a:p>
-            <a:endParaRPr lang="it-CH" dirty="0"/>
-          </a:p>
-          <a:p>
-            <a:endParaRPr lang="it-CH" dirty="0"/>
-          </a:p>
-          <a:p>
-            <a:endParaRPr lang="it-CH" dirty="0"/>
-          </a:p>
-        </p:txBody>
-      </p:sp>
+      </p:pic>
     </p:spTree>
     <p:extLst>
       <p:ext uri="{BB962C8B-B14F-4D97-AF65-F5344CB8AC3E}">
-        <p14:creationId xmlns:p14="http://schemas.microsoft.com/office/powerpoint/2010/main" val="1766738239"/>
+        <p14:creationId xmlns:p14="http://schemas.microsoft.com/office/powerpoint/2010/main" val="4216114935"/>
       </p:ext>
     </p:extLst>
   </p:cSld>
@@ -5117,12 +5286,16 @@
           <a:p>
             <a:pPr algn="ctr"/>
             <a:r>
-              <a:rPr lang="it-CH" dirty="0">
+              <a:rPr lang="it-CH">
                 <a:latin typeface="Helvetica" panose="020B0604020202020204" pitchFamily="34" charset="0"/>
                 <a:cs typeface="Helvetica" panose="020B0604020202020204" pitchFamily="34" charset="0"/>
               </a:rPr>
-              <a:t>Backend</a:t>
-            </a:r>
+              <a:t>Sviluppi Futuri</a:t>
+            </a:r>
+            <a:endParaRPr lang="it-CH" dirty="0">
+              <a:latin typeface="Helvetica" panose="020B0604020202020204" pitchFamily="34" charset="0"/>
+              <a:cs typeface="Helvetica" panose="020B0604020202020204" pitchFamily="34" charset="0"/>
+            </a:endParaRPr>
           </a:p>
         </p:txBody>
       </p:sp>
@@ -5154,29 +5327,26 @@
           <a:p>
             <a:r>
               <a:rPr lang="it-CH" dirty="0"/>
-              <a:t>Tomcat</a:t>
+              <a:t>Poter gestire le assenze e l’apertura/chiusura della rete</a:t>
             </a:r>
           </a:p>
           <a:p>
             <a:r>
               <a:rPr lang="it-CH" dirty="0"/>
-              <a:t>LDAP</a:t>
+              <a:t>Gestione tende e gestione beamer</a:t>
             </a:r>
           </a:p>
           <a:p>
             <a:r>
               <a:rPr lang="it-CH" dirty="0"/>
-              <a:t>JDBC</a:t>
+              <a:t>ACC-Client con ricerca di un ACC-Server nella rete</a:t>
             </a:r>
           </a:p>
           <a:p>
             <a:r>
               <a:rPr lang="it-CH" dirty="0"/>
-              <a:t>ACC-Server</a:t>
-            </a:r>
-          </a:p>
-          <a:p>
-            <a:endParaRPr lang="it-CH" dirty="0"/>
+              <a:t>Gestione avanzata degli Arduino </a:t>
+            </a:r>
           </a:p>
           <a:p>
             <a:endParaRPr lang="it-CH" dirty="0"/>
@@ -5195,7 +5365,7 @@
     </p:spTree>
     <p:extLst>
       <p:ext uri="{BB962C8B-B14F-4D97-AF65-F5344CB8AC3E}">
-        <p14:creationId xmlns:p14="http://schemas.microsoft.com/office/powerpoint/2010/main" val="3092511657"/>
+        <p14:creationId xmlns:p14="http://schemas.microsoft.com/office/powerpoint/2010/main" val="1763366233"/>
       </p:ext>
     </p:extLst>
   </p:cSld>
@@ -5227,135 +5397,6 @@
           <p:cNvPr id="2" name="Title 1">
             <a:extLst>
               <a:ext uri="{FF2B5EF4-FFF2-40B4-BE49-F238E27FC236}">
-                <a16:creationId xmlns:a16="http://schemas.microsoft.com/office/drawing/2014/main" id="{7F41E4F4-73D1-48E9-AFD3-D287D349CFBF}"/>
-              </a:ext>
-            </a:extLst>
-          </p:cNvPr>
-          <p:cNvSpPr>
-            <a:spLocks noGrp="1"/>
-          </p:cNvSpPr>
-          <p:nvPr>
-            <p:ph type="title"/>
-          </p:nvPr>
-        </p:nvSpPr>
-        <p:spPr/>
-        <p:txBody>
-          <a:bodyPr/>
-          <a:lstStyle/>
-          <a:p>
-            <a:pPr algn="ctr"/>
-            <a:r>
-              <a:rPr lang="it-CH">
-                <a:latin typeface="Helvetica" panose="020B0604020202020204" pitchFamily="34" charset="0"/>
-                <a:cs typeface="Helvetica" panose="020B0604020202020204" pitchFamily="34" charset="0"/>
-              </a:rPr>
-              <a:t>Sviluppi Futuri</a:t>
-            </a:r>
-            <a:endParaRPr lang="it-CH" dirty="0">
-              <a:latin typeface="Helvetica" panose="020B0604020202020204" pitchFamily="34" charset="0"/>
-              <a:cs typeface="Helvetica" panose="020B0604020202020204" pitchFamily="34" charset="0"/>
-            </a:endParaRPr>
-          </a:p>
-        </p:txBody>
-      </p:sp>
-      <p:sp>
-        <p:nvSpPr>
-          <p:cNvPr id="3" name="Content Placeholder 2">
-            <a:extLst>
-              <a:ext uri="{FF2B5EF4-FFF2-40B4-BE49-F238E27FC236}">
-                <a16:creationId xmlns:a16="http://schemas.microsoft.com/office/drawing/2014/main" id="{CEAD64F6-9F54-4194-94B8-A5D6727B3EC4}"/>
-              </a:ext>
-            </a:extLst>
-          </p:cNvPr>
-          <p:cNvSpPr>
-            <a:spLocks noGrp="1"/>
-          </p:cNvSpPr>
-          <p:nvPr>
-            <p:ph idx="1"/>
-          </p:nvPr>
-        </p:nvSpPr>
-        <p:spPr>
-          <a:xfrm>
-            <a:off x="838200" y="2024109"/>
-            <a:ext cx="10515600" cy="4152854"/>
-          </a:xfrm>
-        </p:spPr>
-        <p:txBody>
-          <a:bodyPr/>
-          <a:lstStyle/>
-          <a:p>
-            <a:r>
-              <a:rPr lang="it-CH" dirty="0"/>
-              <a:t>Poter gestire le assenze e l’apertura/chiusura della rete</a:t>
-            </a:r>
-          </a:p>
-          <a:p>
-            <a:r>
-              <a:rPr lang="it-CH" dirty="0"/>
-              <a:t>Gestione tende e gestione beamer</a:t>
-            </a:r>
-          </a:p>
-          <a:p>
-            <a:r>
-              <a:rPr lang="it-CH" dirty="0"/>
-              <a:t>ACC-Client con ricerca di un ACC-Server nella rete</a:t>
-            </a:r>
-          </a:p>
-          <a:p>
-            <a:r>
-              <a:rPr lang="it-CH" dirty="0"/>
-              <a:t>Gestione avanzata degli Arduino </a:t>
-            </a:r>
-          </a:p>
-          <a:p>
-            <a:endParaRPr lang="it-CH" dirty="0"/>
-          </a:p>
-          <a:p>
-            <a:endParaRPr lang="it-CH" dirty="0"/>
-          </a:p>
-          <a:p>
-            <a:endParaRPr lang="it-CH" dirty="0"/>
-          </a:p>
-          <a:p>
-            <a:endParaRPr lang="it-CH" dirty="0"/>
-          </a:p>
-        </p:txBody>
-      </p:sp>
-    </p:spTree>
-    <p:extLst>
-      <p:ext uri="{BB962C8B-B14F-4D97-AF65-F5344CB8AC3E}">
-        <p14:creationId xmlns:p14="http://schemas.microsoft.com/office/powerpoint/2010/main" val="1763366233"/>
-      </p:ext>
-    </p:extLst>
-  </p:cSld>
-  <p:clrMapOvr>
-    <a:masterClrMapping/>
-  </p:clrMapOvr>
-</p:sld>
-</file>
-
-<file path=ppt/slides/slide15.xml><?xml version="1.0" encoding="utf-8"?>
-<p:sld xmlns:a="http://schemas.openxmlformats.org/drawingml/2006/main" xmlns:r="http://schemas.openxmlformats.org/officeDocument/2006/relationships" xmlns:p="http://schemas.openxmlformats.org/presentationml/2006/main">
-  <p:cSld>
-    <p:spTree>
-      <p:nvGrpSpPr>
-        <p:cNvPr id="1" name=""/>
-        <p:cNvGrpSpPr/>
-        <p:nvPr/>
-      </p:nvGrpSpPr>
-      <p:grpSpPr>
-        <a:xfrm>
-          <a:off x="0" y="0"/>
-          <a:ext cx="0" cy="0"/>
-          <a:chOff x="0" y="0"/>
-          <a:chExt cx="0" cy="0"/>
-        </a:xfrm>
-      </p:grpSpPr>
-      <p:sp>
-        <p:nvSpPr>
-          <p:cNvPr id="2" name="Title 1">
-            <a:extLst>
-              <a:ext uri="{FF2B5EF4-FFF2-40B4-BE49-F238E27FC236}">
                 <a16:creationId xmlns:a16="http://schemas.microsoft.com/office/drawing/2014/main" id="{282365D5-D1C6-452E-A0CF-688206AB4276}"/>
               </a:ext>
             </a:extLst>
@@ -5379,31 +5420,6 @@
               </a:rPr>
               <a:t>CONCLUSIONI</a:t>
             </a:r>
-          </a:p>
-        </p:txBody>
-      </p:sp>
-      <p:sp>
-        <p:nvSpPr>
-          <p:cNvPr id="3" name="Subtitle 2">
-            <a:extLst>
-              <a:ext uri="{FF2B5EF4-FFF2-40B4-BE49-F238E27FC236}">
-                <a16:creationId xmlns:a16="http://schemas.microsoft.com/office/drawing/2014/main" id="{92108D7B-A5D9-456A-A560-5EC3FE2D0AFA}"/>
-              </a:ext>
-            </a:extLst>
-          </p:cNvPr>
-          <p:cNvSpPr>
-            <a:spLocks noGrp="1"/>
-          </p:cNvSpPr>
-          <p:nvPr>
-            <p:ph type="subTitle" idx="1"/>
-          </p:nvPr>
-        </p:nvSpPr>
-        <p:spPr/>
-        <p:txBody>
-          <a:bodyPr/>
-          <a:lstStyle/>
-          <a:p>
-            <a:endParaRPr lang="it-CH" dirty="0"/>
           </a:p>
         </p:txBody>
       </p:sp>
@@ -5683,7 +5699,7 @@
           <p:cNvPr id="2" name="Title 1">
             <a:extLst>
               <a:ext uri="{FF2B5EF4-FFF2-40B4-BE49-F238E27FC236}">
-                <a16:creationId xmlns:a16="http://schemas.microsoft.com/office/drawing/2014/main" id="{45A440B7-F453-489C-B434-7603DFB2E50E}"/>
+                <a16:creationId xmlns:a16="http://schemas.microsoft.com/office/drawing/2014/main" id="{7F41E4F4-73D1-48E9-AFD3-D287D349CFBF}"/>
               </a:ext>
             </a:extLst>
           </p:cNvPr>
@@ -5699,49 +5715,90 @@
           <a:bodyPr/>
           <a:lstStyle/>
           <a:p>
-            <a:endParaRPr lang="it-CH"/>
-          </a:p>
-        </p:txBody>
-      </p:sp>
-      <p:pic>
-        <p:nvPicPr>
-          <p:cNvPr id="5" name="Content Placeholder 4">
-            <a:extLst>
-              <a:ext uri="{FF2B5EF4-FFF2-40B4-BE49-F238E27FC236}">
-                <a16:creationId xmlns:a16="http://schemas.microsoft.com/office/drawing/2014/main" id="{F1A9D332-BA11-4E84-A087-0E6508586A3E}"/>
-              </a:ext>
-            </a:extLst>
-          </p:cNvPr>
-          <p:cNvPicPr>
-            <a:picLocks noGrp="1" noChangeAspect="1"/>
-          </p:cNvPicPr>
+            <a:pPr algn="ctr"/>
+            <a:r>
+              <a:rPr lang="it-CH" dirty="0">
+                <a:latin typeface="Helvetica" panose="020B0604020202020204" pitchFamily="34" charset="0"/>
+                <a:cs typeface="Helvetica" panose="020B0604020202020204" pitchFamily="34" charset="0"/>
+              </a:rPr>
+              <a:t>Progettazione</a:t>
+            </a:r>
+          </a:p>
+        </p:txBody>
+      </p:sp>
+      <p:sp>
+        <p:nvSpPr>
+          <p:cNvPr id="3" name="Content Placeholder 2">
+            <a:extLst>
+              <a:ext uri="{FF2B5EF4-FFF2-40B4-BE49-F238E27FC236}">
+                <a16:creationId xmlns:a16="http://schemas.microsoft.com/office/drawing/2014/main" id="{CEAD64F6-9F54-4194-94B8-A5D6727B3EC4}"/>
+              </a:ext>
+            </a:extLst>
+          </p:cNvPr>
+          <p:cNvSpPr>
+            <a:spLocks noGrp="1"/>
+          </p:cNvSpPr>
           <p:nvPr>
             <p:ph idx="1"/>
           </p:nvPr>
-        </p:nvPicPr>
-        <p:blipFill>
-          <a:blip r:embed="rId2">
-            <a:extLst>
-              <a:ext uri="{28A0092B-C50C-407E-A947-70E740481C1C}">
-                <a14:useLocalDpi xmlns:a14="http://schemas.microsoft.com/office/drawing/2010/main" val="0"/>
-              </a:ext>
-            </a:extLst>
-          </a:blip>
-          <a:stretch>
-            <a:fillRect/>
-          </a:stretch>
-        </p:blipFill>
+        </p:nvSpPr>
         <p:spPr>
           <a:xfrm>
-            <a:off x="68239" y="257453"/>
-            <a:ext cx="12055521" cy="6235422"/>
+            <a:off x="838200" y="2024109"/>
+            <a:ext cx="10515600" cy="4152854"/>
           </a:xfrm>
         </p:spPr>
-      </p:pic>
+        <p:txBody>
+          <a:bodyPr/>
+          <a:lstStyle/>
+          <a:p>
+            <a:r>
+              <a:rPr lang="it-CH" dirty="0"/>
+              <a:t>Comunicazione LDAP </a:t>
+            </a:r>
+          </a:p>
+          <a:p>
+            <a:r>
+              <a:rPr lang="it-CH" dirty="0"/>
+              <a:t>Arduino Yún </a:t>
+            </a:r>
+          </a:p>
+          <a:p>
+            <a:r>
+              <a:rPr lang="it-CH" dirty="0"/>
+              <a:t>Comunicazione Arduino &lt;-&gt; Web Server</a:t>
+            </a:r>
+          </a:p>
+          <a:p>
+            <a:r>
+              <a:rPr lang="it-CH" dirty="0"/>
+              <a:t>Database e JDBC</a:t>
+            </a:r>
+          </a:p>
+          <a:p>
+            <a:endParaRPr lang="it-CH" dirty="0"/>
+          </a:p>
+          <a:p>
+            <a:endParaRPr lang="it-CH" dirty="0"/>
+          </a:p>
+          <a:p>
+            <a:endParaRPr lang="it-CH" dirty="0"/>
+          </a:p>
+          <a:p>
+            <a:endParaRPr lang="it-CH" dirty="0"/>
+          </a:p>
+          <a:p>
+            <a:endParaRPr lang="it-CH" dirty="0"/>
+          </a:p>
+          <a:p>
+            <a:endParaRPr lang="it-CH" dirty="0"/>
+          </a:p>
+        </p:txBody>
+      </p:sp>
     </p:spTree>
     <p:extLst>
       <p:ext uri="{BB962C8B-B14F-4D97-AF65-F5344CB8AC3E}">
-        <p14:creationId xmlns:p14="http://schemas.microsoft.com/office/powerpoint/2010/main" val="4216114935"/>
+        <p14:creationId xmlns:p14="http://schemas.microsoft.com/office/powerpoint/2010/main" val="4105106668"/>
       </p:ext>
     </p:extLst>
   </p:cSld>
@@ -5795,7 +5852,7 @@
                 <a:latin typeface="Helvetica" panose="020B0604020202020204" pitchFamily="34" charset="0"/>
                 <a:cs typeface="Helvetica" panose="020B0604020202020204" pitchFamily="34" charset="0"/>
               </a:rPr>
-              <a:t>Progettazione</a:t>
+              <a:t>Design</a:t>
             </a:r>
           </a:p>
         </p:txBody>
@@ -5828,137 +5885,6 @@
           <a:p>
             <a:r>
               <a:rPr lang="it-CH" dirty="0"/>
-              <a:t>Comunicazione LDAP </a:t>
-            </a:r>
-          </a:p>
-          <a:p>
-            <a:r>
-              <a:rPr lang="it-CH" dirty="0"/>
-              <a:t>Arduino Yún </a:t>
-            </a:r>
-          </a:p>
-          <a:p>
-            <a:r>
-              <a:rPr lang="it-CH" dirty="0"/>
-              <a:t>Comunicazione Arduino &lt;-&gt; Web Server</a:t>
-            </a:r>
-          </a:p>
-          <a:p>
-            <a:r>
-              <a:rPr lang="it-CH" dirty="0"/>
-              <a:t>Database e JDBC</a:t>
-            </a:r>
-          </a:p>
-          <a:p>
-            <a:endParaRPr lang="it-CH" dirty="0"/>
-          </a:p>
-          <a:p>
-            <a:endParaRPr lang="it-CH" dirty="0"/>
-          </a:p>
-          <a:p>
-            <a:endParaRPr lang="it-CH" dirty="0"/>
-          </a:p>
-          <a:p>
-            <a:endParaRPr lang="it-CH" dirty="0"/>
-          </a:p>
-          <a:p>
-            <a:endParaRPr lang="it-CH" dirty="0"/>
-          </a:p>
-          <a:p>
-            <a:endParaRPr lang="it-CH" dirty="0"/>
-          </a:p>
-        </p:txBody>
-      </p:sp>
-    </p:spTree>
-    <p:extLst>
-      <p:ext uri="{BB962C8B-B14F-4D97-AF65-F5344CB8AC3E}">
-        <p14:creationId xmlns:p14="http://schemas.microsoft.com/office/powerpoint/2010/main" val="4105106668"/>
-      </p:ext>
-    </p:extLst>
-  </p:cSld>
-  <p:clrMapOvr>
-    <a:masterClrMapping/>
-  </p:clrMapOvr>
-</p:sld>
-</file>
-
-<file path=ppt/slides/slide6.xml><?xml version="1.0" encoding="utf-8"?>
-<p:sld xmlns:a="http://schemas.openxmlformats.org/drawingml/2006/main" xmlns:r="http://schemas.openxmlformats.org/officeDocument/2006/relationships" xmlns:p="http://schemas.openxmlformats.org/presentationml/2006/main">
-  <p:cSld>
-    <p:spTree>
-      <p:nvGrpSpPr>
-        <p:cNvPr id="1" name=""/>
-        <p:cNvGrpSpPr/>
-        <p:nvPr/>
-      </p:nvGrpSpPr>
-      <p:grpSpPr>
-        <a:xfrm>
-          <a:off x="0" y="0"/>
-          <a:ext cx="0" cy="0"/>
-          <a:chOff x="0" y="0"/>
-          <a:chExt cx="0" cy="0"/>
-        </a:xfrm>
-      </p:grpSpPr>
-      <p:sp>
-        <p:nvSpPr>
-          <p:cNvPr id="2" name="Title 1">
-            <a:extLst>
-              <a:ext uri="{FF2B5EF4-FFF2-40B4-BE49-F238E27FC236}">
-                <a16:creationId xmlns:a16="http://schemas.microsoft.com/office/drawing/2014/main" id="{7F41E4F4-73D1-48E9-AFD3-D287D349CFBF}"/>
-              </a:ext>
-            </a:extLst>
-          </p:cNvPr>
-          <p:cNvSpPr>
-            <a:spLocks noGrp="1"/>
-          </p:cNvSpPr>
-          <p:nvPr>
-            <p:ph type="title"/>
-          </p:nvPr>
-        </p:nvSpPr>
-        <p:spPr/>
-        <p:txBody>
-          <a:bodyPr/>
-          <a:lstStyle/>
-          <a:p>
-            <a:pPr algn="ctr"/>
-            <a:r>
-              <a:rPr lang="it-CH" dirty="0">
-                <a:latin typeface="Helvetica" panose="020B0604020202020204" pitchFamily="34" charset="0"/>
-                <a:cs typeface="Helvetica" panose="020B0604020202020204" pitchFamily="34" charset="0"/>
-              </a:rPr>
-              <a:t>Design</a:t>
-            </a:r>
-          </a:p>
-        </p:txBody>
-      </p:sp>
-      <p:sp>
-        <p:nvSpPr>
-          <p:cNvPr id="3" name="Content Placeholder 2">
-            <a:extLst>
-              <a:ext uri="{FF2B5EF4-FFF2-40B4-BE49-F238E27FC236}">
-                <a16:creationId xmlns:a16="http://schemas.microsoft.com/office/drawing/2014/main" id="{CEAD64F6-9F54-4194-94B8-A5D6727B3EC4}"/>
-              </a:ext>
-            </a:extLst>
-          </p:cNvPr>
-          <p:cNvSpPr>
-            <a:spLocks noGrp="1"/>
-          </p:cNvSpPr>
-          <p:nvPr>
-            <p:ph idx="1"/>
-          </p:nvPr>
-        </p:nvSpPr>
-        <p:spPr>
-          <a:xfrm>
-            <a:off x="838200" y="2024109"/>
-            <a:ext cx="10515600" cy="4152854"/>
-          </a:xfrm>
-        </p:spPr>
-        <p:txBody>
-          <a:bodyPr/>
-          <a:lstStyle/>
-          <a:p>
-            <a:r>
-              <a:rPr lang="it-CH" dirty="0"/>
               <a:t>Design semplice e comodo da usare</a:t>
             </a:r>
           </a:p>
@@ -6000,7 +5926,7 @@
           <p:nvPr/>
         </p:nvPicPr>
         <p:blipFill>
-          <a:blip r:embed="rId3">
+          <a:blip r:embed="rId3" cstate="hqprint">
             <a:extLst>
               <a:ext uri="{28A0092B-C50C-407E-A947-70E740481C1C}">
                 <a14:useLocalDpi xmlns:a14="http://schemas.microsoft.com/office/drawing/2010/main" val="0"/>
@@ -6036,7 +5962,7 @@
           <p:nvPr/>
         </p:nvPicPr>
         <p:blipFill>
-          <a:blip r:embed="rId4">
+          <a:blip r:embed="rId4" cstate="hqprint">
             <a:extLst>
               <a:ext uri="{28A0092B-C50C-407E-A947-70E740481C1C}">
                 <a14:useLocalDpi xmlns:a14="http://schemas.microsoft.com/office/drawing/2010/main" val="0"/>
@@ -6070,114 +5996,7 @@
 </p:sld>
 </file>
 
-<file path=ppt/slides/slide7.xml><?xml version="1.0" encoding="utf-8"?>
-<p:sld xmlns:a="http://schemas.openxmlformats.org/drawingml/2006/main" xmlns:r="http://schemas.openxmlformats.org/officeDocument/2006/relationships" xmlns:p="http://schemas.openxmlformats.org/presentationml/2006/main">
-  <p:cSld>
-    <p:spTree>
-      <p:nvGrpSpPr>
-        <p:cNvPr id="1" name=""/>
-        <p:cNvGrpSpPr/>
-        <p:nvPr/>
-      </p:nvGrpSpPr>
-      <p:grpSpPr>
-        <a:xfrm>
-          <a:off x="0" y="0"/>
-          <a:ext cx="0" cy="0"/>
-          <a:chOff x="0" y="0"/>
-          <a:chExt cx="0" cy="0"/>
-        </a:xfrm>
-      </p:grpSpPr>
-      <p:sp>
-        <p:nvSpPr>
-          <p:cNvPr id="2" name="Title 1">
-            <a:extLst>
-              <a:ext uri="{FF2B5EF4-FFF2-40B4-BE49-F238E27FC236}">
-                <a16:creationId xmlns:a16="http://schemas.microsoft.com/office/drawing/2014/main" id="{14440A06-FB01-4236-9026-CD453DAFF38D}"/>
-              </a:ext>
-            </a:extLst>
-          </p:cNvPr>
-          <p:cNvSpPr>
-            <a:spLocks noGrp="1"/>
-          </p:cNvSpPr>
-          <p:nvPr>
-            <p:ph type="title"/>
-          </p:nvPr>
-        </p:nvSpPr>
-        <p:spPr/>
-        <p:txBody>
-          <a:bodyPr/>
-          <a:lstStyle/>
-          <a:p>
-            <a:pPr algn="ctr"/>
-            <a:r>
-              <a:rPr lang="it-CH" dirty="0">
-                <a:latin typeface="Helvetica" panose="020B0604020202020204" pitchFamily="34" charset="0"/>
-                <a:cs typeface="Helvetica" panose="020B0604020202020204" pitchFamily="34" charset="0"/>
-              </a:rPr>
-              <a:t>LDAP</a:t>
-            </a:r>
-          </a:p>
-        </p:txBody>
-      </p:sp>
-      <p:sp>
-        <p:nvSpPr>
-          <p:cNvPr id="3" name="Content Placeholder 2">
-            <a:extLst>
-              <a:ext uri="{FF2B5EF4-FFF2-40B4-BE49-F238E27FC236}">
-                <a16:creationId xmlns:a16="http://schemas.microsoft.com/office/drawing/2014/main" id="{06B2AD82-E928-4821-8CF1-4E7D38CD0D4D}"/>
-              </a:ext>
-            </a:extLst>
-          </p:cNvPr>
-          <p:cNvSpPr>
-            <a:spLocks noGrp="1"/>
-          </p:cNvSpPr>
-          <p:nvPr>
-            <p:ph idx="1"/>
-          </p:nvPr>
-        </p:nvSpPr>
-        <p:spPr>
-          <a:xfrm>
-            <a:off x="838200" y="2020933"/>
-            <a:ext cx="10515600" cy="4351338"/>
-          </a:xfrm>
-        </p:spPr>
-        <p:txBody>
-          <a:bodyPr/>
-          <a:lstStyle/>
-          <a:p>
-            <a:r>
-              <a:rPr lang="it-CH" dirty="0"/>
-              <a:t>Accessi sicuri al AD-DS della scuola</a:t>
-            </a:r>
-          </a:p>
-          <a:p>
-            <a:r>
-              <a:rPr lang="it-CH" dirty="0"/>
-              <a:t>Dati di accesso criptati</a:t>
-            </a:r>
-          </a:p>
-          <a:p>
-            <a:r>
-              <a:rPr lang="it-CH" dirty="0"/>
-              <a:t>Semplice da usare</a:t>
-            </a:r>
-          </a:p>
-        </p:txBody>
-      </p:sp>
-    </p:spTree>
-    <p:extLst>
-      <p:ext uri="{BB962C8B-B14F-4D97-AF65-F5344CB8AC3E}">
-        <p14:creationId xmlns:p14="http://schemas.microsoft.com/office/powerpoint/2010/main" val="551210519"/>
-      </p:ext>
-    </p:extLst>
-  </p:cSld>
-  <p:clrMapOvr>
-    <a:masterClrMapping/>
-  </p:clrMapOvr>
-</p:sld>
-</file>
-
-<file path=ppt/slides/slide8.xml><?xml version="1.0" encoding="utf-8"?>
+<file path=ppt/slides/slide6.xml><?xml version="1.0" encoding="utf-8"?>
 <p:sld xmlns:a="http://schemas.openxmlformats.org/drawingml/2006/main" xmlns:r="http://schemas.openxmlformats.org/officeDocument/2006/relationships" xmlns:p="http://schemas.openxmlformats.org/presentationml/2006/main">
   <p:cSld>
     <p:spTree>
@@ -6344,6 +6163,213 @@
 </p:sld>
 </file>
 
+<file path=ppt/slides/slide7.xml><?xml version="1.0" encoding="utf-8"?>
+<p:sld xmlns:a="http://schemas.openxmlformats.org/drawingml/2006/main" xmlns:r="http://schemas.openxmlformats.org/officeDocument/2006/relationships" xmlns:p="http://schemas.openxmlformats.org/presentationml/2006/main">
+  <p:cSld>
+    <p:spTree>
+      <p:nvGrpSpPr>
+        <p:cNvPr id="1" name=""/>
+        <p:cNvGrpSpPr/>
+        <p:nvPr/>
+      </p:nvGrpSpPr>
+      <p:grpSpPr>
+        <a:xfrm>
+          <a:off x="0" y="0"/>
+          <a:ext cx="0" cy="0"/>
+          <a:chOff x="0" y="0"/>
+          <a:chExt cx="0" cy="0"/>
+        </a:xfrm>
+      </p:grpSpPr>
+      <p:sp>
+        <p:nvSpPr>
+          <p:cNvPr id="2" name="Title 1">
+            <a:extLst>
+              <a:ext uri="{FF2B5EF4-FFF2-40B4-BE49-F238E27FC236}">
+                <a16:creationId xmlns:a16="http://schemas.microsoft.com/office/drawing/2014/main" id="{7F41E4F4-73D1-48E9-AFD3-D287D349CFBF}"/>
+              </a:ext>
+            </a:extLst>
+          </p:cNvPr>
+          <p:cNvSpPr>
+            <a:spLocks noGrp="1"/>
+          </p:cNvSpPr>
+          <p:nvPr>
+            <p:ph type="title"/>
+          </p:nvPr>
+        </p:nvSpPr>
+        <p:spPr/>
+        <p:txBody>
+          <a:bodyPr/>
+          <a:lstStyle/>
+          <a:p>
+            <a:pPr algn="ctr"/>
+            <a:r>
+              <a:rPr lang="it-CH" dirty="0">
+                <a:latin typeface="Helvetica" panose="020B0604020202020204" pitchFamily="34" charset="0"/>
+                <a:cs typeface="Helvetica" panose="020B0604020202020204" pitchFamily="34" charset="0"/>
+              </a:rPr>
+              <a:t>Frontend</a:t>
+            </a:r>
+          </a:p>
+        </p:txBody>
+      </p:sp>
+      <p:sp>
+        <p:nvSpPr>
+          <p:cNvPr id="3" name="Content Placeholder 2">
+            <a:extLst>
+              <a:ext uri="{FF2B5EF4-FFF2-40B4-BE49-F238E27FC236}">
+                <a16:creationId xmlns:a16="http://schemas.microsoft.com/office/drawing/2014/main" id="{CEAD64F6-9F54-4194-94B8-A5D6727B3EC4}"/>
+              </a:ext>
+            </a:extLst>
+          </p:cNvPr>
+          <p:cNvSpPr>
+            <a:spLocks noGrp="1"/>
+          </p:cNvSpPr>
+          <p:nvPr>
+            <p:ph idx="1"/>
+          </p:nvPr>
+        </p:nvSpPr>
+        <p:spPr>
+          <a:xfrm>
+            <a:off x="838200" y="2024109"/>
+            <a:ext cx="10515600" cy="4152854"/>
+          </a:xfrm>
+        </p:spPr>
+        <p:txBody>
+          <a:bodyPr/>
+          <a:lstStyle/>
+          <a:p>
+            <a:r>
+              <a:rPr lang="it-CH" dirty="0"/>
+              <a:t>AngularJS</a:t>
+            </a:r>
+          </a:p>
+          <a:p>
+            <a:r>
+              <a:rPr lang="it-CH" dirty="0"/>
+              <a:t>Views</a:t>
+            </a:r>
+          </a:p>
+          <a:p>
+            <a:r>
+              <a:rPr lang="it-CH" dirty="0"/>
+              <a:t>Controller</a:t>
+            </a:r>
+          </a:p>
+          <a:p>
+            <a:r>
+              <a:rPr lang="it-CH" dirty="0"/>
+              <a:t>Service </a:t>
+            </a:r>
+          </a:p>
+          <a:p>
+            <a:endParaRPr lang="it-CH" dirty="0"/>
+          </a:p>
+          <a:p>
+            <a:endParaRPr lang="it-CH" dirty="0"/>
+          </a:p>
+          <a:p>
+            <a:endParaRPr lang="it-CH" dirty="0"/>
+          </a:p>
+          <a:p>
+            <a:endParaRPr lang="it-CH" dirty="0"/>
+          </a:p>
+        </p:txBody>
+      </p:sp>
+    </p:spTree>
+    <p:extLst>
+      <p:ext uri="{BB962C8B-B14F-4D97-AF65-F5344CB8AC3E}">
+        <p14:creationId xmlns:p14="http://schemas.microsoft.com/office/powerpoint/2010/main" val="1766738239"/>
+      </p:ext>
+    </p:extLst>
+  </p:cSld>
+  <p:clrMapOvr>
+    <a:masterClrMapping/>
+  </p:clrMapOvr>
+</p:sld>
+</file>
+
+<file path=ppt/slides/slide8.xml><?xml version="1.0" encoding="utf-8"?>
+<p:sld xmlns:a="http://schemas.openxmlformats.org/drawingml/2006/main" xmlns:r="http://schemas.openxmlformats.org/officeDocument/2006/relationships" xmlns:p="http://schemas.openxmlformats.org/presentationml/2006/main">
+  <p:cSld>
+    <p:spTree>
+      <p:nvGrpSpPr>
+        <p:cNvPr id="1" name=""/>
+        <p:cNvGrpSpPr/>
+        <p:nvPr/>
+      </p:nvGrpSpPr>
+      <p:grpSpPr>
+        <a:xfrm>
+          <a:off x="0" y="0"/>
+          <a:ext cx="0" cy="0"/>
+          <a:chOff x="0" y="0"/>
+          <a:chExt cx="0" cy="0"/>
+        </a:xfrm>
+      </p:grpSpPr>
+      <p:sp>
+        <p:nvSpPr>
+          <p:cNvPr id="2" name="Title 1"/>
+          <p:cNvSpPr>
+            <a:spLocks noGrp="1"/>
+          </p:cNvSpPr>
+          <p:nvPr>
+            <p:ph type="title"/>
+          </p:nvPr>
+        </p:nvSpPr>
+        <p:spPr/>
+        <p:txBody>
+          <a:bodyPr/>
+          <a:lstStyle/>
+          <a:p>
+            <a:r>
+              <a:rPr lang="it-CH" dirty="0" smtClean="0"/>
+              <a:t>Tomcat</a:t>
+            </a:r>
+            <a:endParaRPr lang="en-US" dirty="0"/>
+          </a:p>
+        </p:txBody>
+      </p:sp>
+      <p:sp>
+        <p:nvSpPr>
+          <p:cNvPr id="3" name="Content Placeholder 2"/>
+          <p:cNvSpPr>
+            <a:spLocks noGrp="1"/>
+          </p:cNvSpPr>
+          <p:nvPr>
+            <p:ph idx="1"/>
+          </p:nvPr>
+        </p:nvSpPr>
+        <p:spPr/>
+        <p:txBody>
+          <a:bodyPr/>
+          <a:lstStyle/>
+          <a:p>
+            <a:r>
+              <a:rPr lang="it-CH" dirty="0" smtClean="0"/>
+              <a:t>Web Server</a:t>
+            </a:r>
+          </a:p>
+          <a:p>
+            <a:r>
+              <a:rPr lang="it-CH" dirty="0" smtClean="0"/>
+              <a:t>Già utilizzato</a:t>
+            </a:r>
+            <a:endParaRPr lang="en-US" dirty="0"/>
+          </a:p>
+        </p:txBody>
+      </p:sp>
+    </p:spTree>
+    <p:extLst>
+      <p:ext uri="{BB962C8B-B14F-4D97-AF65-F5344CB8AC3E}">
+        <p14:creationId xmlns:p14="http://schemas.microsoft.com/office/powerpoint/2010/main" val="532056039"/>
+      </p:ext>
+    </p:extLst>
+  </p:cSld>
+  <p:clrMapOvr>
+    <a:masterClrMapping/>
+  </p:clrMapOvr>
+</p:sld>
+</file>
+
 <file path=ppt/slides/slide9.xml><?xml version="1.0" encoding="utf-8"?>
 <p:sld xmlns:a="http://schemas.openxmlformats.org/drawingml/2006/main" xmlns:r="http://schemas.openxmlformats.org/officeDocument/2006/relationships" xmlns:p="http://schemas.openxmlformats.org/presentationml/2006/main">
   <p:cSld>
@@ -6366,7 +6392,7 @@
           <p:cNvPr id="2" name="Title 1">
             <a:extLst>
               <a:ext uri="{FF2B5EF4-FFF2-40B4-BE49-F238E27FC236}">
-                <a16:creationId xmlns:a16="http://schemas.microsoft.com/office/drawing/2014/main" id="{7F41E4F4-73D1-48E9-AFD3-D287D349CFBF}"/>
+                <a16:creationId xmlns:a16="http://schemas.microsoft.com/office/drawing/2014/main" id="{14440A06-FB01-4236-9026-CD453DAFF38D}"/>
               </a:ext>
             </a:extLst>
           </p:cNvPr>
@@ -6388,7 +6414,7 @@
                 <a:latin typeface="Helvetica" panose="020B0604020202020204" pitchFamily="34" charset="0"/>
                 <a:cs typeface="Helvetica" panose="020B0604020202020204" pitchFamily="34" charset="0"/>
               </a:rPr>
-              <a:t>ACC-Server</a:t>
+              <a:t>LDAP</a:t>
             </a:r>
           </a:p>
         </p:txBody>
@@ -6398,7 +6424,7 @@
           <p:cNvPr id="3" name="Content Placeholder 2">
             <a:extLst>
               <a:ext uri="{FF2B5EF4-FFF2-40B4-BE49-F238E27FC236}">
-                <a16:creationId xmlns:a16="http://schemas.microsoft.com/office/drawing/2014/main" id="{CEAD64F6-9F54-4194-94B8-A5D6727B3EC4}"/>
+                <a16:creationId xmlns:a16="http://schemas.microsoft.com/office/drawing/2014/main" id="{06B2AD82-E928-4821-8CF1-4E7D38CD0D4D}"/>
               </a:ext>
             </a:extLst>
           </p:cNvPr>
@@ -6411,8 +6437,8 @@
         </p:nvSpPr>
         <p:spPr>
           <a:xfrm>
-            <a:off x="838200" y="2024109"/>
-            <a:ext cx="10515600" cy="4152854"/>
+            <a:off x="838200" y="2020933"/>
+            <a:ext cx="10515600" cy="4351338"/>
           </a:xfrm>
         </p:spPr>
         <p:txBody>
@@ -6421,39 +6447,27 @@
           <a:p>
             <a:r>
               <a:rPr lang="it-CH" dirty="0"/>
-              <a:t>Comunicazione</a:t>
+              <a:t>Accessi sicuri al AD-DS della scuola</a:t>
             </a:r>
           </a:p>
           <a:p>
             <a:r>
               <a:rPr lang="it-CH" dirty="0"/>
-              <a:t>Key e ID</a:t>
+              <a:t>Dati di accesso criptati</a:t>
             </a:r>
           </a:p>
           <a:p>
             <a:r>
               <a:rPr lang="it-CH" dirty="0"/>
-              <a:t>Server</a:t>
-            </a:r>
-          </a:p>
-          <a:p>
-            <a:endParaRPr lang="it-CH" dirty="0"/>
-          </a:p>
-          <a:p>
-            <a:endParaRPr lang="it-CH" dirty="0"/>
-          </a:p>
-          <a:p>
-            <a:endParaRPr lang="it-CH" dirty="0"/>
-          </a:p>
-          <a:p>
-            <a:endParaRPr lang="it-CH" dirty="0"/>
+              <a:t>Semplice da usare</a:t>
+            </a:r>
           </a:p>
         </p:txBody>
       </p:sp>
     </p:spTree>
     <p:extLst>
       <p:ext uri="{BB962C8B-B14F-4D97-AF65-F5344CB8AC3E}">
-        <p14:creationId xmlns:p14="http://schemas.microsoft.com/office/powerpoint/2010/main" val="2284516593"/>
+        <p14:creationId xmlns:p14="http://schemas.microsoft.com/office/powerpoint/2010/main" val="551210519"/>
       </p:ext>
     </p:extLst>
   </p:cSld>

--- a/consegna/Presentazione_ProgettoDomotica_Ruberto_Bosco_Gübli.pptx
+++ b/consegna/Presentazione_ProgettoDomotica_Ruberto_Bosco_Gübli.pptx
@@ -5,23 +5,24 @@
     <p:sldMasterId id="2147483648" r:id="rId1"/>
   </p:sldMasterIdLst>
   <p:notesMasterIdLst>
-    <p:notesMasterId r:id="rId16"/>
+    <p:notesMasterId r:id="rId17"/>
   </p:notesMasterIdLst>
   <p:sldIdLst>
     <p:sldId id="256" r:id="rId2"/>
-    <p:sldId id="257" r:id="rId3"/>
-    <p:sldId id="267" r:id="rId4"/>
-    <p:sldId id="259" r:id="rId5"/>
-    <p:sldId id="266" r:id="rId6"/>
-    <p:sldId id="274" r:id="rId7"/>
-    <p:sldId id="269" r:id="rId8"/>
-    <p:sldId id="278" r:id="rId9"/>
-    <p:sldId id="275" r:id="rId10"/>
-    <p:sldId id="270" r:id="rId11"/>
-    <p:sldId id="271" r:id="rId12"/>
-    <p:sldId id="273" r:id="rId13"/>
-    <p:sldId id="272" r:id="rId14"/>
-    <p:sldId id="277" r:id="rId15"/>
+    <p:sldId id="279" r:id="rId3"/>
+    <p:sldId id="257" r:id="rId4"/>
+    <p:sldId id="267" r:id="rId5"/>
+    <p:sldId id="259" r:id="rId6"/>
+    <p:sldId id="266" r:id="rId7"/>
+    <p:sldId id="274" r:id="rId8"/>
+    <p:sldId id="269" r:id="rId9"/>
+    <p:sldId id="278" r:id="rId10"/>
+    <p:sldId id="275" r:id="rId11"/>
+    <p:sldId id="270" r:id="rId12"/>
+    <p:sldId id="271" r:id="rId13"/>
+    <p:sldId id="273" r:id="rId14"/>
+    <p:sldId id="272" r:id="rId15"/>
+    <p:sldId id="277" r:id="rId16"/>
   </p:sldIdLst>
   <p:sldSz cx="12192000" cy="6858000"/>
   <p:notesSz cx="6858000" cy="9144000"/>
@@ -555,7 +556,7 @@
           <a:p>
             <a:fld id="{41B5BFE6-0C32-4B35-8BDF-B5A014C7FC68}" type="slidenum">
               <a:rPr lang="it-CH" smtClean="0"/>
-              <a:t>2</a:t>
+              <a:t>3</a:t>
             </a:fld>
             <a:endParaRPr lang="it-CH"/>
           </a:p>
@@ -639,7 +640,7 @@
           <a:p>
             <a:fld id="{41B5BFE6-0C32-4B35-8BDF-B5A014C7FC68}" type="slidenum">
               <a:rPr lang="it-CH" smtClean="0"/>
-              <a:t>3</a:t>
+              <a:t>4</a:t>
             </a:fld>
             <a:endParaRPr lang="it-CH"/>
           </a:p>
@@ -766,7 +767,7 @@
           <a:p>
             <a:fld id="{41B5BFE6-0C32-4B35-8BDF-B5A014C7FC68}" type="slidenum">
               <a:rPr lang="it-CH" smtClean="0"/>
-              <a:t>4</a:t>
+              <a:t>5</a:t>
             </a:fld>
             <a:endParaRPr lang="it-CH"/>
           </a:p>
@@ -850,7 +851,7 @@
           <a:p>
             <a:fld id="{41B5BFE6-0C32-4B35-8BDF-B5A014C7FC68}" type="slidenum">
               <a:rPr lang="it-CH" smtClean="0"/>
-              <a:t>5</a:t>
+              <a:t>6</a:t>
             </a:fld>
             <a:endParaRPr lang="it-CH"/>
           </a:p>
@@ -934,7 +935,7 @@
           <a:p>
             <a:fld id="{41B5BFE6-0C32-4B35-8BDF-B5A014C7FC68}" type="slidenum">
               <a:rPr lang="it-CH" smtClean="0"/>
-              <a:t>6</a:t>
+              <a:t>7</a:t>
             </a:fld>
             <a:endParaRPr lang="it-CH"/>
           </a:p>
@@ -1018,7 +1019,7 @@
           <a:p>
             <a:fld id="{41B5BFE6-0C32-4B35-8BDF-B5A014C7FC68}" type="slidenum">
               <a:rPr lang="it-CH" smtClean="0"/>
-              <a:t>7</a:t>
+              <a:t>8</a:t>
             </a:fld>
             <a:endParaRPr lang="it-CH"/>
           </a:p>
@@ -1102,7 +1103,7 @@
           <a:p>
             <a:fld id="{41B5BFE6-0C32-4B35-8BDF-B5A014C7FC68}" type="slidenum">
               <a:rPr lang="it-CH" smtClean="0"/>
-              <a:t>10</a:t>
+              <a:t>11</a:t>
             </a:fld>
             <a:endParaRPr lang="it-CH"/>
           </a:p>
@@ -1186,7 +1187,7 @@
           <a:p>
             <a:fld id="{41B5BFE6-0C32-4B35-8BDF-B5A014C7FC68}" type="slidenum">
               <a:rPr lang="it-CH" smtClean="0"/>
-              <a:t>11</a:t>
+              <a:t>12</a:t>
             </a:fld>
             <a:endParaRPr lang="it-CH"/>
           </a:p>
@@ -1270,7 +1271,7 @@
           <a:p>
             <a:fld id="{41B5BFE6-0C32-4B35-8BDF-B5A014C7FC68}" type="slidenum">
               <a:rPr lang="it-CH" smtClean="0"/>
-              <a:t>13</a:t>
+              <a:t>14</a:t>
             </a:fld>
             <a:endParaRPr lang="it-CH"/>
           </a:p>
@@ -4618,6 +4619,113 @@
           <p:cNvPr id="2" name="Title 1">
             <a:extLst>
               <a:ext uri="{FF2B5EF4-FFF2-40B4-BE49-F238E27FC236}">
+                <a16:creationId xmlns:a16="http://schemas.microsoft.com/office/drawing/2014/main" id="{14440A06-FB01-4236-9026-CD453DAFF38D}"/>
+              </a:ext>
+            </a:extLst>
+          </p:cNvPr>
+          <p:cNvSpPr>
+            <a:spLocks noGrp="1"/>
+          </p:cNvSpPr>
+          <p:nvPr>
+            <p:ph type="title"/>
+          </p:nvPr>
+        </p:nvSpPr>
+        <p:spPr/>
+        <p:txBody>
+          <a:bodyPr/>
+          <a:lstStyle/>
+          <a:p>
+            <a:pPr algn="ctr"/>
+            <a:r>
+              <a:rPr lang="it-CH" dirty="0">
+                <a:latin typeface="Helvetica" panose="020B0604020202020204" pitchFamily="34" charset="0"/>
+                <a:cs typeface="Helvetica" panose="020B0604020202020204" pitchFamily="34" charset="0"/>
+              </a:rPr>
+              <a:t>LDAP</a:t>
+            </a:r>
+          </a:p>
+        </p:txBody>
+      </p:sp>
+      <p:sp>
+        <p:nvSpPr>
+          <p:cNvPr id="3" name="Content Placeholder 2">
+            <a:extLst>
+              <a:ext uri="{FF2B5EF4-FFF2-40B4-BE49-F238E27FC236}">
+                <a16:creationId xmlns:a16="http://schemas.microsoft.com/office/drawing/2014/main" id="{06B2AD82-E928-4821-8CF1-4E7D38CD0D4D}"/>
+              </a:ext>
+            </a:extLst>
+          </p:cNvPr>
+          <p:cNvSpPr>
+            <a:spLocks noGrp="1"/>
+          </p:cNvSpPr>
+          <p:nvPr>
+            <p:ph idx="1"/>
+          </p:nvPr>
+        </p:nvSpPr>
+        <p:spPr>
+          <a:xfrm>
+            <a:off x="838200" y="2020933"/>
+            <a:ext cx="10515600" cy="4351338"/>
+          </a:xfrm>
+        </p:spPr>
+        <p:txBody>
+          <a:bodyPr/>
+          <a:lstStyle/>
+          <a:p>
+            <a:r>
+              <a:rPr lang="it-CH" dirty="0"/>
+              <a:t>Accessi sicuri al AD-DS della scuola</a:t>
+            </a:r>
+          </a:p>
+          <a:p>
+            <a:r>
+              <a:rPr lang="it-CH" dirty="0"/>
+              <a:t>Dati di accesso criptati</a:t>
+            </a:r>
+          </a:p>
+          <a:p>
+            <a:r>
+              <a:rPr lang="it-CH" dirty="0"/>
+              <a:t>Semplice da usare</a:t>
+            </a:r>
+          </a:p>
+        </p:txBody>
+      </p:sp>
+    </p:spTree>
+    <p:extLst>
+      <p:ext uri="{BB962C8B-B14F-4D97-AF65-F5344CB8AC3E}">
+        <p14:creationId xmlns:p14="http://schemas.microsoft.com/office/powerpoint/2010/main" val="551210519"/>
+      </p:ext>
+    </p:extLst>
+  </p:cSld>
+  <p:clrMapOvr>
+    <a:masterClrMapping/>
+  </p:clrMapOvr>
+</p:sld>
+</file>
+
+<file path=ppt/slides/slide11.xml><?xml version="1.0" encoding="utf-8"?>
+<p:sld xmlns:a="http://schemas.openxmlformats.org/drawingml/2006/main" xmlns:r="http://schemas.openxmlformats.org/officeDocument/2006/relationships" xmlns:p="http://schemas.openxmlformats.org/presentationml/2006/main">
+  <p:cSld>
+    <p:spTree>
+      <p:nvGrpSpPr>
+        <p:cNvPr id="1" name=""/>
+        <p:cNvGrpSpPr/>
+        <p:nvPr/>
+      </p:nvGrpSpPr>
+      <p:grpSpPr>
+        <a:xfrm>
+          <a:off x="0" y="0"/>
+          <a:ext cx="0" cy="0"/>
+          <a:chOff x="0" y="0"/>
+          <a:chExt cx="0" cy="0"/>
+        </a:xfrm>
+      </p:grpSpPr>
+      <p:sp>
+        <p:nvSpPr>
+          <p:cNvPr id="2" name="Title 1">
+            <a:extLst>
+              <a:ext uri="{FF2B5EF4-FFF2-40B4-BE49-F238E27FC236}">
                 <a16:creationId xmlns:a16="http://schemas.microsoft.com/office/drawing/2014/main" id="{7F41E4F4-73D1-48E9-AFD3-D287D349CFBF}"/>
               </a:ext>
             </a:extLst>
@@ -4751,7 +4859,7 @@
 </p:sld>
 </file>
 
-<file path=ppt/slides/slide11.xml><?xml version="1.0" encoding="utf-8"?>
+<file path=ppt/slides/slide12.xml><?xml version="1.0" encoding="utf-8"?>
 <p:sld xmlns:a="http://schemas.openxmlformats.org/drawingml/2006/main" xmlns:r="http://schemas.openxmlformats.org/officeDocument/2006/relationships" xmlns:p="http://schemas.openxmlformats.org/presentationml/2006/main">
   <p:cSld>
     <p:spTree>
@@ -5156,7 +5264,7 @@
 </p:sld>
 </file>
 
-<file path=ppt/slides/slide12.xml><?xml version="1.0" encoding="utf-8"?>
+<file path=ppt/slides/slide13.xml><?xml version="1.0" encoding="utf-8"?>
 <p:sld xmlns:a="http://schemas.openxmlformats.org/drawingml/2006/main" xmlns:r="http://schemas.openxmlformats.org/officeDocument/2006/relationships" xmlns:p="http://schemas.openxmlformats.org/presentationml/2006/main">
   <p:cSld>
     <p:spTree>
@@ -5246,7 +5354,7 @@
 </p:sld>
 </file>
 
-<file path=ppt/slides/slide13.xml><?xml version="1.0" encoding="utf-8"?>
+<file path=ppt/slides/slide14.xml><?xml version="1.0" encoding="utf-8"?>
 <p:sld xmlns:a="http://schemas.openxmlformats.org/drawingml/2006/main" xmlns:r="http://schemas.openxmlformats.org/officeDocument/2006/relationships" xmlns:p="http://schemas.openxmlformats.org/presentationml/2006/main">
   <p:cSld>
     <p:spTree>
@@ -5375,7 +5483,7 @@
 </p:sld>
 </file>
 
-<file path=ppt/slides/slide14.xml><?xml version="1.0" encoding="utf-8"?>
+<file path=ppt/slides/slide15.xml><?xml version="1.0" encoding="utf-8"?>
 <p:sld xmlns:a="http://schemas.openxmlformats.org/drawingml/2006/main" xmlns:r="http://schemas.openxmlformats.org/officeDocument/2006/relationships" xmlns:p="http://schemas.openxmlformats.org/presentationml/2006/main">
   <p:cSld>
     <p:spTree>
@@ -5455,13 +5563,7 @@
       </p:grpSpPr>
       <p:sp>
         <p:nvSpPr>
-          <p:cNvPr id="2" name="Title 1">
-            <a:extLst>
-              <a:ext uri="{FF2B5EF4-FFF2-40B4-BE49-F238E27FC236}">
-                <a16:creationId xmlns:a16="http://schemas.microsoft.com/office/drawing/2014/main" id="{7F41E4F4-73D1-48E9-AFD3-D287D349CFBF}"/>
-              </a:ext>
-            </a:extLst>
-          </p:cNvPr>
+          <p:cNvPr id="2" name="Title 1"/>
           <p:cNvSpPr>
             <a:spLocks noGrp="1"/>
           </p:cNvSpPr>
@@ -5474,26 +5576,23 @@
           <a:bodyPr/>
           <a:lstStyle/>
           <a:p>
-            <a:pPr algn="ctr"/>
-            <a:r>
-              <a:rPr lang="it-CH" dirty="0">
+            <a:r>
+              <a:rPr lang="it-CH" dirty="0" smtClean="0">
                 <a:latin typeface="Helvetica" panose="020B0604020202020204" pitchFamily="34" charset="0"/>
                 <a:cs typeface="Helvetica" panose="020B0604020202020204" pitchFamily="34" charset="0"/>
               </a:rPr>
-              <a:t>Introduzione</a:t>
-            </a:r>
-          </a:p>
-        </p:txBody>
-      </p:sp>
-      <p:sp>
-        <p:nvSpPr>
-          <p:cNvPr id="3" name="Content Placeholder 2">
-            <a:extLst>
-              <a:ext uri="{FF2B5EF4-FFF2-40B4-BE49-F238E27FC236}">
-                <a16:creationId xmlns:a16="http://schemas.microsoft.com/office/drawing/2014/main" id="{CEAD64F6-9F54-4194-94B8-A5D6727B3EC4}"/>
-              </a:ext>
-            </a:extLst>
-          </p:cNvPr>
+              <a:t>Chi siamo?</a:t>
+            </a:r>
+            <a:endParaRPr lang="en-US" dirty="0">
+              <a:latin typeface="Helvetica" panose="020B0604020202020204" pitchFamily="34" charset="0"/>
+              <a:cs typeface="Helvetica" panose="020B0604020202020204" pitchFamily="34" charset="0"/>
+            </a:endParaRPr>
+          </a:p>
+        </p:txBody>
+      </p:sp>
+      <p:sp>
+        <p:nvSpPr>
+          <p:cNvPr id="3" name="Content Placeholder 2"/>
           <p:cNvSpPr>
             <a:spLocks noGrp="1"/>
           </p:cNvSpPr>
@@ -5501,54 +5600,88 @@
             <p:ph idx="1"/>
           </p:nvPr>
         </p:nvSpPr>
-        <p:spPr>
-          <a:xfrm>
-            <a:off x="838200" y="2024109"/>
-            <a:ext cx="10515600" cy="4152854"/>
-          </a:xfrm>
-        </p:spPr>
-        <p:txBody>
-          <a:bodyPr/>
-          <a:lstStyle/>
-          <a:p>
-            <a:r>
-              <a:rPr lang="it-CH" dirty="0"/>
-              <a:t>Interruttori luci scomodi</a:t>
-            </a:r>
-          </a:p>
-          <a:p>
-            <a:r>
-              <a:rPr lang="it-CH" dirty="0"/>
-              <a:t>Tende manuali</a:t>
-            </a:r>
-          </a:p>
-          <a:p>
-            <a:r>
-              <a:rPr lang="it-CH" dirty="0"/>
-              <a:t>Telecomando beamer</a:t>
-            </a:r>
-          </a:p>
-          <a:p>
+        <p:spPr/>
+        <p:txBody>
+          <a:bodyPr/>
+          <a:lstStyle/>
+          <a:p>
+            <a:r>
+              <a:rPr lang="it-CH" dirty="0" smtClean="0"/>
+              <a:t>Mattia Ruberto</a:t>
+            </a:r>
+          </a:p>
+          <a:p>
+            <a:pPr lvl="1"/>
+            <a:r>
+              <a:rPr lang="it-CH" dirty="0">
+                <a:hlinkClick r:id="rId2"/>
+              </a:rPr>
+              <a:t>m</a:t>
+            </a:r>
+            <a:r>
+              <a:rPr lang="it-CH" dirty="0" smtClean="0">
+                <a:hlinkClick r:id="rId2"/>
+              </a:rPr>
+              <a:t>attia.ruberto@samtrevano.ch</a:t>
+            </a:r>
+            <a:endParaRPr lang="it-CH" dirty="0" smtClean="0"/>
+          </a:p>
+          <a:p>
+            <a:r>
+              <a:rPr lang="it-CH" dirty="0" smtClean="0"/>
+              <a:t>Giulio Bosco</a:t>
+            </a:r>
             <a:endParaRPr lang="it-CH" dirty="0"/>
           </a:p>
           <a:p>
+            <a:pPr lvl="1"/>
+            <a:r>
+              <a:rPr lang="it-CH" dirty="0" smtClean="0">
+                <a:hlinkClick r:id="rId3"/>
+              </a:rPr>
+              <a:t>giulio.bosco@samtrevano.ch</a:t>
+            </a:r>
+            <a:endParaRPr lang="it-CH" dirty="0" smtClean="0"/>
+          </a:p>
+          <a:p>
+            <a:r>
+              <a:rPr lang="it-CH" dirty="0" smtClean="0"/>
+              <a:t>Paolo Gübeli</a:t>
+            </a:r>
             <a:endParaRPr lang="it-CH" dirty="0"/>
           </a:p>
           <a:p>
+            <a:pPr lvl="1"/>
+            <a:r>
+              <a:rPr lang="it-CH" dirty="0" smtClean="0">
+                <a:hlinkClick r:id="rId4"/>
+              </a:rPr>
+              <a:t>Paolo.guebli@samtrevano.ch</a:t>
+            </a:r>
             <a:endParaRPr lang="it-CH" dirty="0"/>
           </a:p>
           <a:p>
+            <a:pPr marL="457200" lvl="1" indent="0">
+              <a:buNone/>
+            </a:pPr>
+            <a:endParaRPr lang="it-CH" dirty="0" smtClean="0"/>
+          </a:p>
+          <a:p>
+            <a:pPr lvl="1"/>
             <a:endParaRPr lang="it-CH" dirty="0"/>
           </a:p>
           <a:p>
-            <a:endParaRPr lang="it-CH" dirty="0"/>
+            <a:pPr marL="457200" lvl="1" indent="0">
+              <a:buNone/>
+            </a:pPr>
+            <a:endParaRPr lang="it-CH" dirty="0" smtClean="0"/>
           </a:p>
         </p:txBody>
       </p:sp>
     </p:spTree>
     <p:extLst>
       <p:ext uri="{BB962C8B-B14F-4D97-AF65-F5344CB8AC3E}">
-        <p14:creationId xmlns:p14="http://schemas.microsoft.com/office/powerpoint/2010/main" val="4262255244"/>
+        <p14:creationId xmlns:p14="http://schemas.microsoft.com/office/powerpoint/2010/main" val="412163067"/>
       </p:ext>
     </p:extLst>
   </p:cSld>
@@ -5602,7 +5735,7 @@
                 <a:latin typeface="Helvetica" panose="020B0604020202020204" pitchFamily="34" charset="0"/>
                 <a:cs typeface="Helvetica" panose="020B0604020202020204" pitchFamily="34" charset="0"/>
               </a:rPr>
-              <a:t>Cos’è la domotica</a:t>
+              <a:t>Introduzione</a:t>
             </a:r>
           </a:p>
         </p:txBody>
@@ -5635,20 +5768,23 @@
           <a:p>
             <a:r>
               <a:rPr lang="it-CH" dirty="0"/>
-              <a:t>Gestione aule da remoto</a:t>
+              <a:t>Interruttori luci scomodi</a:t>
             </a:r>
           </a:p>
           <a:p>
             <a:r>
               <a:rPr lang="it-CH" dirty="0"/>
-              <a:t>Gestire luci, tende e beamer</a:t>
+              <a:t>Tende manuali</a:t>
             </a:r>
           </a:p>
           <a:p>
             <a:r>
               <a:rPr lang="it-CH" dirty="0"/>
-              <a:t>Accesso limitato</a:t>
-            </a:r>
+              <a:t>Telecomando beamer</a:t>
+            </a:r>
+          </a:p>
+          <a:p>
+            <a:endParaRPr lang="it-CH" dirty="0"/>
           </a:p>
           <a:p>
             <a:endParaRPr lang="it-CH" dirty="0"/>
@@ -5667,7 +5803,7 @@
     </p:spTree>
     <p:extLst>
       <p:ext uri="{BB962C8B-B14F-4D97-AF65-F5344CB8AC3E}">
-        <p14:creationId xmlns:p14="http://schemas.microsoft.com/office/powerpoint/2010/main" val="2117330860"/>
+        <p14:creationId xmlns:p14="http://schemas.microsoft.com/office/powerpoint/2010/main" val="4262255244"/>
       </p:ext>
     </p:extLst>
   </p:cSld>
@@ -5721,6 +5857,125 @@
                 <a:latin typeface="Helvetica" panose="020B0604020202020204" pitchFamily="34" charset="0"/>
                 <a:cs typeface="Helvetica" panose="020B0604020202020204" pitchFamily="34" charset="0"/>
               </a:rPr>
+              <a:t>Cos’è la domotica</a:t>
+            </a:r>
+          </a:p>
+        </p:txBody>
+      </p:sp>
+      <p:sp>
+        <p:nvSpPr>
+          <p:cNvPr id="3" name="Content Placeholder 2">
+            <a:extLst>
+              <a:ext uri="{FF2B5EF4-FFF2-40B4-BE49-F238E27FC236}">
+                <a16:creationId xmlns:a16="http://schemas.microsoft.com/office/drawing/2014/main" id="{CEAD64F6-9F54-4194-94B8-A5D6727B3EC4}"/>
+              </a:ext>
+            </a:extLst>
+          </p:cNvPr>
+          <p:cNvSpPr>
+            <a:spLocks noGrp="1"/>
+          </p:cNvSpPr>
+          <p:nvPr>
+            <p:ph idx="1"/>
+          </p:nvPr>
+        </p:nvSpPr>
+        <p:spPr>
+          <a:xfrm>
+            <a:off x="838200" y="2024109"/>
+            <a:ext cx="10515600" cy="4152854"/>
+          </a:xfrm>
+        </p:spPr>
+        <p:txBody>
+          <a:bodyPr/>
+          <a:lstStyle/>
+          <a:p>
+            <a:r>
+              <a:rPr lang="it-CH" dirty="0"/>
+              <a:t>Gestione aule da remoto</a:t>
+            </a:r>
+          </a:p>
+          <a:p>
+            <a:r>
+              <a:rPr lang="it-CH" dirty="0"/>
+              <a:t>Gestire luci, tende e beamer</a:t>
+            </a:r>
+          </a:p>
+          <a:p>
+            <a:r>
+              <a:rPr lang="it-CH" dirty="0"/>
+              <a:t>Accesso limitato</a:t>
+            </a:r>
+          </a:p>
+          <a:p>
+            <a:endParaRPr lang="it-CH" dirty="0"/>
+          </a:p>
+          <a:p>
+            <a:endParaRPr lang="it-CH" dirty="0"/>
+          </a:p>
+          <a:p>
+            <a:endParaRPr lang="it-CH" dirty="0"/>
+          </a:p>
+          <a:p>
+            <a:endParaRPr lang="it-CH" dirty="0"/>
+          </a:p>
+        </p:txBody>
+      </p:sp>
+    </p:spTree>
+    <p:extLst>
+      <p:ext uri="{BB962C8B-B14F-4D97-AF65-F5344CB8AC3E}">
+        <p14:creationId xmlns:p14="http://schemas.microsoft.com/office/powerpoint/2010/main" val="2117330860"/>
+      </p:ext>
+    </p:extLst>
+  </p:cSld>
+  <p:clrMapOvr>
+    <a:masterClrMapping/>
+  </p:clrMapOvr>
+</p:sld>
+</file>
+
+<file path=ppt/slides/slide5.xml><?xml version="1.0" encoding="utf-8"?>
+<p:sld xmlns:a="http://schemas.openxmlformats.org/drawingml/2006/main" xmlns:r="http://schemas.openxmlformats.org/officeDocument/2006/relationships" xmlns:p="http://schemas.openxmlformats.org/presentationml/2006/main">
+  <p:cSld>
+    <p:spTree>
+      <p:nvGrpSpPr>
+        <p:cNvPr id="1" name=""/>
+        <p:cNvGrpSpPr/>
+        <p:nvPr/>
+      </p:nvGrpSpPr>
+      <p:grpSpPr>
+        <a:xfrm>
+          <a:off x="0" y="0"/>
+          <a:ext cx="0" cy="0"/>
+          <a:chOff x="0" y="0"/>
+          <a:chExt cx="0" cy="0"/>
+        </a:xfrm>
+      </p:grpSpPr>
+      <p:sp>
+        <p:nvSpPr>
+          <p:cNvPr id="2" name="Title 1">
+            <a:extLst>
+              <a:ext uri="{FF2B5EF4-FFF2-40B4-BE49-F238E27FC236}">
+                <a16:creationId xmlns:a16="http://schemas.microsoft.com/office/drawing/2014/main" id="{7F41E4F4-73D1-48E9-AFD3-D287D349CFBF}"/>
+              </a:ext>
+            </a:extLst>
+          </p:cNvPr>
+          <p:cNvSpPr>
+            <a:spLocks noGrp="1"/>
+          </p:cNvSpPr>
+          <p:nvPr>
+            <p:ph type="title"/>
+          </p:nvPr>
+        </p:nvSpPr>
+        <p:spPr/>
+        <p:txBody>
+          <a:bodyPr/>
+          <a:lstStyle/>
+          <a:p>
+            <a:pPr algn="ctr"/>
+            <a:r>
+              <a:rPr lang="it-CH" dirty="0">
+                <a:latin typeface="Helvetica" panose="020B0604020202020204" pitchFamily="34" charset="0"/>
+                <a:cs typeface="Helvetica" panose="020B0604020202020204" pitchFamily="34" charset="0"/>
+              </a:rPr>
               <a:t>Progettazione</a:t>
             </a:r>
           </a:p>
@@ -5808,7 +6063,7 @@
 </p:sld>
 </file>
 
-<file path=ppt/slides/slide5.xml><?xml version="1.0" encoding="utf-8"?>
+<file path=ppt/slides/slide6.xml><?xml version="1.0" encoding="utf-8"?>
 <p:sld xmlns:a="http://schemas.openxmlformats.org/drawingml/2006/main" xmlns:r="http://schemas.openxmlformats.org/officeDocument/2006/relationships" xmlns:p="http://schemas.openxmlformats.org/presentationml/2006/main">
   <p:cSld>
     <p:spTree>
@@ -5996,173 +6251,6 @@
 </p:sld>
 </file>
 
-<file path=ppt/slides/slide6.xml><?xml version="1.0" encoding="utf-8"?>
-<p:sld xmlns:a="http://schemas.openxmlformats.org/drawingml/2006/main" xmlns:r="http://schemas.openxmlformats.org/officeDocument/2006/relationships" xmlns:p="http://schemas.openxmlformats.org/presentationml/2006/main">
-  <p:cSld>
-    <p:spTree>
-      <p:nvGrpSpPr>
-        <p:cNvPr id="1" name=""/>
-        <p:cNvGrpSpPr/>
-        <p:nvPr/>
-      </p:nvGrpSpPr>
-      <p:grpSpPr>
-        <a:xfrm>
-          <a:off x="0" y="0"/>
-          <a:ext cx="0" cy="0"/>
-          <a:chOff x="0" y="0"/>
-          <a:chExt cx="0" cy="0"/>
-        </a:xfrm>
-      </p:grpSpPr>
-      <p:sp>
-        <p:nvSpPr>
-          <p:cNvPr id="2" name="Title 1">
-            <a:extLst>
-              <a:ext uri="{FF2B5EF4-FFF2-40B4-BE49-F238E27FC236}">
-                <a16:creationId xmlns:a16="http://schemas.microsoft.com/office/drawing/2014/main" id="{7F41E4F4-73D1-48E9-AFD3-D287D349CFBF}"/>
-              </a:ext>
-            </a:extLst>
-          </p:cNvPr>
-          <p:cNvSpPr>
-            <a:spLocks noGrp="1"/>
-          </p:cNvSpPr>
-          <p:nvPr>
-            <p:ph type="title"/>
-          </p:nvPr>
-        </p:nvSpPr>
-        <p:spPr/>
-        <p:txBody>
-          <a:bodyPr/>
-          <a:lstStyle/>
-          <a:p>
-            <a:pPr algn="ctr"/>
-            <a:r>
-              <a:rPr lang="it-CH" dirty="0">
-                <a:latin typeface="Helvetica" panose="020B0604020202020204" pitchFamily="34" charset="0"/>
-                <a:cs typeface="Helvetica" panose="020B0604020202020204" pitchFamily="34" charset="0"/>
-              </a:rPr>
-              <a:t>Arduino Yùn</a:t>
-            </a:r>
-          </a:p>
-        </p:txBody>
-      </p:sp>
-      <p:sp>
-        <p:nvSpPr>
-          <p:cNvPr id="3" name="Content Placeholder 2">
-            <a:extLst>
-              <a:ext uri="{FF2B5EF4-FFF2-40B4-BE49-F238E27FC236}">
-                <a16:creationId xmlns:a16="http://schemas.microsoft.com/office/drawing/2014/main" id="{CEAD64F6-9F54-4194-94B8-A5D6727B3EC4}"/>
-              </a:ext>
-            </a:extLst>
-          </p:cNvPr>
-          <p:cNvSpPr>
-            <a:spLocks noGrp="1"/>
-          </p:cNvSpPr>
-          <p:nvPr>
-            <p:ph idx="1"/>
-          </p:nvPr>
-        </p:nvSpPr>
-        <p:spPr>
-          <a:xfrm>
-            <a:off x="838200" y="2024109"/>
-            <a:ext cx="10515600" cy="4152854"/>
-          </a:xfrm>
-        </p:spPr>
-        <p:txBody>
-          <a:bodyPr/>
-          <a:lstStyle/>
-          <a:p>
-            <a:r>
-              <a:rPr lang="it-CH" dirty="0"/>
-              <a:t>Perché abbiamo scelto Yùn</a:t>
-            </a:r>
-          </a:p>
-          <a:p>
-            <a:r>
-              <a:rPr lang="it-CH" dirty="0"/>
-              <a:t>Spiegare schema</a:t>
-            </a:r>
-          </a:p>
-          <a:p>
-            <a:r>
-              <a:rPr lang="it-CH" dirty="0"/>
-              <a:t>Le due parti dell’Arduino </a:t>
-            </a:r>
-          </a:p>
-          <a:p>
-            <a:r>
-              <a:rPr lang="it-CH" dirty="0"/>
-              <a:t>Spiegare sistema pulsanti/web</a:t>
-            </a:r>
-          </a:p>
-          <a:p>
-            <a:endParaRPr lang="it-CH" dirty="0"/>
-          </a:p>
-          <a:p>
-            <a:pPr marL="0" indent="0">
-              <a:buNone/>
-            </a:pPr>
-            <a:endParaRPr lang="it-CH" dirty="0"/>
-          </a:p>
-          <a:p>
-            <a:endParaRPr lang="it-CH" dirty="0"/>
-          </a:p>
-          <a:p>
-            <a:endParaRPr lang="it-CH" dirty="0"/>
-          </a:p>
-          <a:p>
-            <a:endParaRPr lang="it-CH" dirty="0"/>
-          </a:p>
-        </p:txBody>
-      </p:sp>
-      <p:pic>
-        <p:nvPicPr>
-          <p:cNvPr id="5" name="Picture 4">
-            <a:extLst>
-              <a:ext uri="{FF2B5EF4-FFF2-40B4-BE49-F238E27FC236}">
-                <a16:creationId xmlns:a16="http://schemas.microsoft.com/office/drawing/2014/main" id="{A08767A7-A36E-4F79-93CE-923B38F0FD01}"/>
-              </a:ext>
-            </a:extLst>
-          </p:cNvPr>
-          <p:cNvPicPr>
-            <a:picLocks noChangeAspect="1"/>
-          </p:cNvPicPr>
-          <p:nvPr/>
-        </p:nvPicPr>
-        <p:blipFill>
-          <a:blip r:embed="rId3">
-            <a:extLst>
-              <a:ext uri="{28A0092B-C50C-407E-A947-70E740481C1C}">
-                <a14:useLocalDpi xmlns:a14="http://schemas.microsoft.com/office/drawing/2010/main" val="0"/>
-              </a:ext>
-            </a:extLst>
-          </a:blip>
-          <a:stretch>
-            <a:fillRect/>
-          </a:stretch>
-        </p:blipFill>
-        <p:spPr>
-          <a:xfrm>
-            <a:off x="6096000" y="2024109"/>
-            <a:ext cx="5516184" cy="3644283"/>
-          </a:xfrm>
-          <a:prstGeom prst="rect">
-            <a:avLst/>
-          </a:prstGeom>
-        </p:spPr>
-      </p:pic>
-    </p:spTree>
-    <p:extLst>
-      <p:ext uri="{BB962C8B-B14F-4D97-AF65-F5344CB8AC3E}">
-        <p14:creationId xmlns:p14="http://schemas.microsoft.com/office/powerpoint/2010/main" val="1800720808"/>
-      </p:ext>
-    </p:extLst>
-  </p:cSld>
-  <p:clrMapOvr>
-    <a:masterClrMapping/>
-  </p:clrMapOvr>
-</p:sld>
-</file>
-
 <file path=ppt/slides/slide7.xml><?xml version="1.0" encoding="utf-8"?>
 <p:sld xmlns:a="http://schemas.openxmlformats.org/drawingml/2006/main" xmlns:r="http://schemas.openxmlformats.org/officeDocument/2006/relationships" xmlns:p="http://schemas.openxmlformats.org/presentationml/2006/main">
   <p:cSld>
@@ -6207,7 +6295,7 @@
                 <a:latin typeface="Helvetica" panose="020B0604020202020204" pitchFamily="34" charset="0"/>
                 <a:cs typeface="Helvetica" panose="020B0604020202020204" pitchFamily="34" charset="0"/>
               </a:rPr>
-              <a:t>Frontend</a:t>
+              <a:t>Arduino Yùn</a:t>
             </a:r>
           </a:p>
         </p:txBody>
@@ -6240,45 +6328,82 @@
           <a:p>
             <a:r>
               <a:rPr lang="it-CH" dirty="0"/>
-              <a:t>AngularJS</a:t>
-            </a:r>
-          </a:p>
-          <a:p>
-            <a:r>
-              <a:rPr lang="it-CH" dirty="0"/>
-              <a:t>Views</a:t>
-            </a:r>
-          </a:p>
-          <a:p>
-            <a:r>
-              <a:rPr lang="it-CH" dirty="0"/>
-              <a:t>Controller</a:t>
-            </a:r>
-          </a:p>
-          <a:p>
-            <a:r>
-              <a:rPr lang="it-CH" dirty="0"/>
-              <a:t>Service </a:t>
-            </a:r>
-          </a:p>
-          <a:p>
+              <a:t>Perché </a:t>
+            </a:r>
+            <a:r>
+              <a:rPr lang="it-CH" dirty="0" smtClean="0"/>
+              <a:t>l’arduino</a:t>
+            </a:r>
+            <a:r>
+              <a:rPr lang="it-CH" dirty="0" smtClean="0"/>
+              <a:t> Yùn?</a:t>
+            </a:r>
             <a:endParaRPr lang="it-CH" dirty="0"/>
           </a:p>
           <a:p>
+            <a:r>
+              <a:rPr lang="it-CH" dirty="0" smtClean="0"/>
+              <a:t>Come funziona</a:t>
+            </a:r>
             <a:endParaRPr lang="it-CH" dirty="0"/>
           </a:p>
           <a:p>
+            <a:pPr marL="0" indent="0">
+              <a:buNone/>
+            </a:pPr>
             <a:endParaRPr lang="it-CH" dirty="0"/>
           </a:p>
           <a:p>
+            <a:pPr marL="0" indent="0">
+              <a:buNone/>
+            </a:pPr>
             <a:endParaRPr lang="it-CH" dirty="0"/>
           </a:p>
-        </p:txBody>
-      </p:sp>
+          <a:p>
+            <a:endParaRPr lang="it-CH" dirty="0"/>
+          </a:p>
+          <a:p>
+            <a:endParaRPr lang="it-CH" dirty="0"/>
+          </a:p>
+          <a:p>
+            <a:endParaRPr lang="it-CH" dirty="0"/>
+          </a:p>
+        </p:txBody>
+      </p:sp>
+      <p:pic>
+        <p:nvPicPr>
+          <p:cNvPr id="4" name="Picture 3"/>
+          <p:cNvPicPr>
+            <a:picLocks noChangeAspect="1"/>
+          </p:cNvPicPr>
+          <p:nvPr/>
+        </p:nvPicPr>
+        <p:blipFill>
+          <a:blip r:embed="rId3">
+            <a:extLst>
+              <a:ext uri="{28A0092B-C50C-407E-A947-70E740481C1C}">
+                <a14:useLocalDpi xmlns:a14="http://schemas.microsoft.com/office/drawing/2010/main" val="0"/>
+              </a:ext>
+            </a:extLst>
+          </a:blip>
+          <a:stretch>
+            <a:fillRect/>
+          </a:stretch>
+        </p:blipFill>
+        <p:spPr>
+          <a:xfrm>
+            <a:off x="4525767" y="1863849"/>
+            <a:ext cx="7450155" cy="4137701"/>
+          </a:xfrm>
+          <a:prstGeom prst="rect">
+            <a:avLst/>
+          </a:prstGeom>
+        </p:spPr>
+      </p:pic>
     </p:spTree>
     <p:extLst>
       <p:ext uri="{BB962C8B-B14F-4D97-AF65-F5344CB8AC3E}">
-        <p14:creationId xmlns:p14="http://schemas.microsoft.com/office/powerpoint/2010/main" val="1766738239"/>
+        <p14:creationId xmlns:p14="http://schemas.microsoft.com/office/powerpoint/2010/main" val="1800720808"/>
       </p:ext>
     </p:extLst>
   </p:cSld>
@@ -6307,7 +6432,13 @@
       </p:grpSpPr>
       <p:sp>
         <p:nvSpPr>
-          <p:cNvPr id="2" name="Title 1"/>
+          <p:cNvPr id="2" name="Title 1">
+            <a:extLst>
+              <a:ext uri="{FF2B5EF4-FFF2-40B4-BE49-F238E27FC236}">
+                <a16:creationId xmlns:a16="http://schemas.microsoft.com/office/drawing/2014/main" id="{7F41E4F4-73D1-48E9-AFD3-D287D349CFBF}"/>
+              </a:ext>
+            </a:extLst>
+          </p:cNvPr>
           <p:cNvSpPr>
             <a:spLocks noGrp="1"/>
           </p:cNvSpPr>
@@ -6320,17 +6451,26 @@
           <a:bodyPr/>
           <a:lstStyle/>
           <a:p>
-            <a:r>
-              <a:rPr lang="it-CH" dirty="0" smtClean="0"/>
-              <a:t>Tomcat</a:t>
-            </a:r>
-            <a:endParaRPr lang="en-US" dirty="0"/>
-          </a:p>
-        </p:txBody>
-      </p:sp>
-      <p:sp>
-        <p:nvSpPr>
-          <p:cNvPr id="3" name="Content Placeholder 2"/>
+            <a:pPr algn="ctr"/>
+            <a:r>
+              <a:rPr lang="it-CH" dirty="0">
+                <a:latin typeface="Helvetica" panose="020B0604020202020204" pitchFamily="34" charset="0"/>
+                <a:cs typeface="Helvetica" panose="020B0604020202020204" pitchFamily="34" charset="0"/>
+              </a:rPr>
+              <a:t>Frontend</a:t>
+            </a:r>
+          </a:p>
+        </p:txBody>
+      </p:sp>
+      <p:sp>
+        <p:nvSpPr>
+          <p:cNvPr id="3" name="Content Placeholder 2">
+            <a:extLst>
+              <a:ext uri="{FF2B5EF4-FFF2-40B4-BE49-F238E27FC236}">
+                <a16:creationId xmlns:a16="http://schemas.microsoft.com/office/drawing/2014/main" id="{CEAD64F6-9F54-4194-94B8-A5D6727B3EC4}"/>
+              </a:ext>
+            </a:extLst>
+          </p:cNvPr>
           <p:cNvSpPr>
             <a:spLocks noGrp="1"/>
           </p:cNvSpPr>
@@ -6338,29 +6478,57 @@
             <p:ph idx="1"/>
           </p:nvPr>
         </p:nvSpPr>
-        <p:spPr/>
-        <p:txBody>
-          <a:bodyPr/>
-          <a:lstStyle/>
-          <a:p>
-            <a:r>
-              <a:rPr lang="it-CH" dirty="0" smtClean="0"/>
-              <a:t>Web Server</a:t>
-            </a:r>
-          </a:p>
-          <a:p>
-            <a:r>
-              <a:rPr lang="it-CH" dirty="0" smtClean="0"/>
-              <a:t>Già utilizzato</a:t>
-            </a:r>
-            <a:endParaRPr lang="en-US" dirty="0"/>
+        <p:spPr>
+          <a:xfrm>
+            <a:off x="838200" y="2024109"/>
+            <a:ext cx="10515600" cy="4152854"/>
+          </a:xfrm>
+        </p:spPr>
+        <p:txBody>
+          <a:bodyPr/>
+          <a:lstStyle/>
+          <a:p>
+            <a:r>
+              <a:rPr lang="it-CH" dirty="0"/>
+              <a:t>AngularJS</a:t>
+            </a:r>
+          </a:p>
+          <a:p>
+            <a:r>
+              <a:rPr lang="it-CH" dirty="0"/>
+              <a:t>Views</a:t>
+            </a:r>
+          </a:p>
+          <a:p>
+            <a:r>
+              <a:rPr lang="it-CH" dirty="0"/>
+              <a:t>Controller</a:t>
+            </a:r>
+          </a:p>
+          <a:p>
+            <a:r>
+              <a:rPr lang="it-CH" dirty="0"/>
+              <a:t>Service </a:t>
+            </a:r>
+          </a:p>
+          <a:p>
+            <a:endParaRPr lang="it-CH" dirty="0"/>
+          </a:p>
+          <a:p>
+            <a:endParaRPr lang="it-CH" dirty="0"/>
+          </a:p>
+          <a:p>
+            <a:endParaRPr lang="it-CH" dirty="0"/>
+          </a:p>
+          <a:p>
+            <a:endParaRPr lang="it-CH" dirty="0"/>
           </a:p>
         </p:txBody>
       </p:sp>
     </p:spTree>
     <p:extLst>
       <p:ext uri="{BB962C8B-B14F-4D97-AF65-F5344CB8AC3E}">
-        <p14:creationId xmlns:p14="http://schemas.microsoft.com/office/powerpoint/2010/main" val="532056039"/>
+        <p14:creationId xmlns:p14="http://schemas.microsoft.com/office/powerpoint/2010/main" val="1766738239"/>
       </p:ext>
     </p:extLst>
   </p:cSld>
@@ -6389,13 +6557,7 @@
       </p:grpSpPr>
       <p:sp>
         <p:nvSpPr>
-          <p:cNvPr id="2" name="Title 1">
-            <a:extLst>
-              <a:ext uri="{FF2B5EF4-FFF2-40B4-BE49-F238E27FC236}">
-                <a16:creationId xmlns:a16="http://schemas.microsoft.com/office/drawing/2014/main" id="{14440A06-FB01-4236-9026-CD453DAFF38D}"/>
-              </a:ext>
-            </a:extLst>
-          </p:cNvPr>
+          <p:cNvPr id="2" name="Title 1"/>
           <p:cNvSpPr>
             <a:spLocks noGrp="1"/>
           </p:cNvSpPr>
@@ -6408,26 +6570,17 @@
           <a:bodyPr/>
           <a:lstStyle/>
           <a:p>
-            <a:pPr algn="ctr"/>
-            <a:r>
-              <a:rPr lang="it-CH" dirty="0">
-                <a:latin typeface="Helvetica" panose="020B0604020202020204" pitchFamily="34" charset="0"/>
-                <a:cs typeface="Helvetica" panose="020B0604020202020204" pitchFamily="34" charset="0"/>
-              </a:rPr>
-              <a:t>LDAP</a:t>
-            </a:r>
-          </a:p>
-        </p:txBody>
-      </p:sp>
-      <p:sp>
-        <p:nvSpPr>
-          <p:cNvPr id="3" name="Content Placeholder 2">
-            <a:extLst>
-              <a:ext uri="{FF2B5EF4-FFF2-40B4-BE49-F238E27FC236}">
-                <a16:creationId xmlns:a16="http://schemas.microsoft.com/office/drawing/2014/main" id="{06B2AD82-E928-4821-8CF1-4E7D38CD0D4D}"/>
-              </a:ext>
-            </a:extLst>
-          </p:cNvPr>
+            <a:r>
+              <a:rPr lang="it-CH" dirty="0" smtClean="0"/>
+              <a:t>Tomcat</a:t>
+            </a:r>
+            <a:endParaRPr lang="en-US" dirty="0"/>
+          </a:p>
+        </p:txBody>
+      </p:sp>
+      <p:sp>
+        <p:nvSpPr>
+          <p:cNvPr id="3" name="Content Placeholder 2"/>
           <p:cNvSpPr>
             <a:spLocks noGrp="1"/>
           </p:cNvSpPr>
@@ -6435,39 +6588,29 @@
             <p:ph idx="1"/>
           </p:nvPr>
         </p:nvSpPr>
-        <p:spPr>
-          <a:xfrm>
-            <a:off x="838200" y="2020933"/>
-            <a:ext cx="10515600" cy="4351338"/>
-          </a:xfrm>
-        </p:spPr>
-        <p:txBody>
-          <a:bodyPr/>
-          <a:lstStyle/>
-          <a:p>
-            <a:r>
-              <a:rPr lang="it-CH" dirty="0"/>
-              <a:t>Accessi sicuri al AD-DS della scuola</a:t>
-            </a:r>
-          </a:p>
-          <a:p>
-            <a:r>
-              <a:rPr lang="it-CH" dirty="0"/>
-              <a:t>Dati di accesso criptati</a:t>
-            </a:r>
-          </a:p>
-          <a:p>
-            <a:r>
-              <a:rPr lang="it-CH" dirty="0"/>
-              <a:t>Semplice da usare</a:t>
-            </a:r>
+        <p:spPr/>
+        <p:txBody>
+          <a:bodyPr/>
+          <a:lstStyle/>
+          <a:p>
+            <a:r>
+              <a:rPr lang="it-CH" dirty="0" smtClean="0"/>
+              <a:t>Web Server</a:t>
+            </a:r>
+          </a:p>
+          <a:p>
+            <a:r>
+              <a:rPr lang="it-CH" dirty="0" smtClean="0"/>
+              <a:t>Già utilizzato</a:t>
+            </a:r>
+            <a:endParaRPr lang="en-US" dirty="0"/>
           </a:p>
         </p:txBody>
       </p:sp>
     </p:spTree>
     <p:extLst>
       <p:ext uri="{BB962C8B-B14F-4D97-AF65-F5344CB8AC3E}">
-        <p14:creationId xmlns:p14="http://schemas.microsoft.com/office/powerpoint/2010/main" val="551210519"/>
+        <p14:creationId xmlns:p14="http://schemas.microsoft.com/office/powerpoint/2010/main" val="532056039"/>
       </p:ext>
     </p:extLst>
   </p:cSld>

--- a/consegna/Presentazione_ProgettoDomotica_Ruberto_Bosco_Gübli.pptx
+++ b/consegna/Presentazione_ProgettoDomotica_Ruberto_Bosco_Gübli.pptx
@@ -5853,12 +5853,16 @@
           <a:p>
             <a:pPr algn="ctr"/>
             <a:r>
-              <a:rPr lang="it-CH" dirty="0">
+              <a:rPr lang="it-CH" dirty="0" smtClean="0">
                 <a:latin typeface="Helvetica" panose="020B0604020202020204" pitchFamily="34" charset="0"/>
                 <a:cs typeface="Helvetica" panose="020B0604020202020204" pitchFamily="34" charset="0"/>
               </a:rPr>
-              <a:t>Cos’è la domotica</a:t>
-            </a:r>
+              <a:t>Soluzione adottata</a:t>
+            </a:r>
+            <a:endParaRPr lang="it-CH" dirty="0">
+              <a:latin typeface="Helvetica" panose="020B0604020202020204" pitchFamily="34" charset="0"/>
+              <a:cs typeface="Helvetica" panose="020B0604020202020204" pitchFamily="34" charset="0"/>
+            </a:endParaRPr>
           </a:p>
         </p:txBody>
       </p:sp>
@@ -5889,20 +5893,46 @@
           <a:lstStyle/>
           <a:p>
             <a:r>
+              <a:rPr lang="it-CH" dirty="0" smtClean="0"/>
+              <a:t>Utilizzo della domotica</a:t>
+            </a:r>
+            <a:endParaRPr lang="it-CH" dirty="0"/>
+          </a:p>
+          <a:p>
+            <a:pPr lvl="1"/>
+            <a:r>
+              <a:rPr lang="it-CH" dirty="0" smtClean="0"/>
+              <a:t>Controllo</a:t>
+            </a:r>
+            <a:r>
+              <a:rPr lang="it-CH" dirty="0" smtClean="0"/>
+              <a:t> </a:t>
+            </a:r>
+            <a:r>
               <a:rPr lang="it-CH" dirty="0"/>
-              <a:t>Gestione aule da remoto</a:t>
-            </a:r>
-          </a:p>
-          <a:p>
+              <a:t>da remoto</a:t>
+            </a:r>
+          </a:p>
+          <a:p>
+            <a:pPr lvl="1"/>
+            <a:r>
+              <a:rPr lang="it-CH" dirty="0" smtClean="0"/>
+              <a:t>Gestione </a:t>
+            </a:r>
             <a:r>
               <a:rPr lang="it-CH" dirty="0"/>
-              <a:t>Gestire luci, tende e beamer</a:t>
-            </a:r>
-          </a:p>
-          <a:p>
+              <a:t>luci, tende e beamer</a:t>
+            </a:r>
+          </a:p>
+          <a:p>
+            <a:pPr lvl="1"/>
+            <a:r>
+              <a:rPr lang="it-CH" dirty="0" smtClean="0"/>
+              <a:t>Accesso </a:t>
+            </a:r>
             <a:r>
               <a:rPr lang="it-CH" dirty="0"/>
-              <a:t>Accesso limitato</a:t>
+              <a:t>limitato</a:t>
             </a:r>
           </a:p>
           <a:p>
@@ -6332,11 +6362,7 @@
             </a:r>
             <a:r>
               <a:rPr lang="it-CH" dirty="0" smtClean="0"/>
-              <a:t>l’arduino</a:t>
-            </a:r>
-            <a:r>
-              <a:rPr lang="it-CH" dirty="0" smtClean="0"/>
-              <a:t> Yùn?</a:t>
+              <a:t>l’arduino Yùn?</a:t>
             </a:r>
             <a:endParaRPr lang="it-CH" dirty="0"/>
           </a:p>

--- a/consegna/Presentazione_ProgettoDomotica_Ruberto_Bosco_Gübli.pptx
+++ b/consegna/Presentazione_ProgettoDomotica_Ruberto_Bosco_Gübli.pptx
@@ -523,19 +523,7 @@
           <a:bodyPr/>
           <a:lstStyle/>
           <a:p>
-            <a:r>
-              <a:rPr lang="it-CH" dirty="0"/>
-              <a:t>Scopo progetto</a:t>
-            </a:r>
-          </a:p>
-          <a:p>
-            <a:r>
-              <a:rPr lang="it-CH" dirty="0"/>
-              <a:t>Situazione iniziale</a:t>
-            </a:r>
-          </a:p>
-          <a:p>
-            <a:endParaRPr lang="it-CH" dirty="0"/>
+            <a:endParaRPr lang="en-US" dirty="0"/>
           </a:p>
         </p:txBody>
       </p:sp>
@@ -546,7 +534,7 @@
             <a:spLocks noGrp="1"/>
           </p:cNvSpPr>
           <p:nvPr>
-            <p:ph type="sldNum" sz="quarter" idx="5"/>
+            <p:ph type="sldNum" sz="quarter" idx="10"/>
           </p:nvPr>
         </p:nvSpPr>
         <p:spPr/>
@@ -556,7 +544,7 @@
           <a:p>
             <a:fld id="{41B5BFE6-0C32-4B35-8BDF-B5A014C7FC68}" type="slidenum">
               <a:rPr lang="it-CH" smtClean="0"/>
-              <a:t>3</a:t>
+              <a:t>2</a:t>
             </a:fld>
             <a:endParaRPr lang="it-CH"/>
           </a:p>
@@ -565,7 +553,359 @@
     </p:spTree>
     <p:extLst>
       <p:ext uri="{BB962C8B-B14F-4D97-AF65-F5344CB8AC3E}">
-        <p14:creationId xmlns:p14="http://schemas.microsoft.com/office/powerpoint/2010/main" val="1436261621"/>
+        <p14:creationId xmlns:p14="http://schemas.microsoft.com/office/powerpoint/2010/main" val="4237220064"/>
+      </p:ext>
+    </p:extLst>
+  </p:cSld>
+  <p:clrMapOvr>
+    <a:masterClrMapping/>
+  </p:clrMapOvr>
+</p:notes>
+</file>
+
+<file path=ppt/notesSlides/notesSlide10.xml><?xml version="1.0" encoding="utf-8"?>
+<p:notes xmlns:a="http://schemas.openxmlformats.org/drawingml/2006/main" xmlns:r="http://schemas.openxmlformats.org/officeDocument/2006/relationships" xmlns:p="http://schemas.openxmlformats.org/presentationml/2006/main">
+  <p:cSld>
+    <p:spTree>
+      <p:nvGrpSpPr>
+        <p:cNvPr id="1" name=""/>
+        <p:cNvGrpSpPr/>
+        <p:nvPr/>
+      </p:nvGrpSpPr>
+      <p:grpSpPr>
+        <a:xfrm>
+          <a:off x="0" y="0"/>
+          <a:ext cx="0" cy="0"/>
+          <a:chOff x="0" y="0"/>
+          <a:chExt cx="0" cy="0"/>
+        </a:xfrm>
+      </p:grpSpPr>
+      <p:sp>
+        <p:nvSpPr>
+          <p:cNvPr id="2" name="Slide Image Placeholder 1"/>
+          <p:cNvSpPr>
+            <a:spLocks noGrp="1" noRot="1" noChangeAspect="1"/>
+          </p:cNvSpPr>
+          <p:nvPr>
+            <p:ph type="sldImg"/>
+          </p:nvPr>
+        </p:nvSpPr>
+        <p:spPr/>
+      </p:sp>
+      <p:sp>
+        <p:nvSpPr>
+          <p:cNvPr id="3" name="Notes Placeholder 2"/>
+          <p:cNvSpPr>
+            <a:spLocks noGrp="1"/>
+          </p:cNvSpPr>
+          <p:nvPr>
+            <p:ph type="body" idx="1"/>
+          </p:nvPr>
+        </p:nvSpPr>
+        <p:spPr/>
+        <p:txBody>
+          <a:bodyPr/>
+          <a:lstStyle/>
+          <a:p>
+            <a:r>
+              <a:rPr lang="it-CH" dirty="0" smtClean="0"/>
+              <a:t>Rub</a:t>
+            </a:r>
+            <a:endParaRPr lang="it-CH" dirty="0"/>
+          </a:p>
+        </p:txBody>
+      </p:sp>
+      <p:sp>
+        <p:nvSpPr>
+          <p:cNvPr id="4" name="Slide Number Placeholder 3"/>
+          <p:cNvSpPr>
+            <a:spLocks noGrp="1"/>
+          </p:cNvSpPr>
+          <p:nvPr>
+            <p:ph type="sldNum" sz="quarter" idx="5"/>
+          </p:nvPr>
+        </p:nvSpPr>
+        <p:spPr/>
+        <p:txBody>
+          <a:bodyPr/>
+          <a:lstStyle/>
+          <a:p>
+            <a:fld id="{41B5BFE6-0C32-4B35-8BDF-B5A014C7FC68}" type="slidenum">
+              <a:rPr lang="it-CH" smtClean="0"/>
+              <a:t>11</a:t>
+            </a:fld>
+            <a:endParaRPr lang="it-CH"/>
+          </a:p>
+        </p:txBody>
+      </p:sp>
+    </p:spTree>
+    <p:extLst>
+      <p:ext uri="{BB962C8B-B14F-4D97-AF65-F5344CB8AC3E}">
+        <p14:creationId xmlns:p14="http://schemas.microsoft.com/office/powerpoint/2010/main" val="3447540936"/>
+      </p:ext>
+    </p:extLst>
+  </p:cSld>
+  <p:clrMapOvr>
+    <a:masterClrMapping/>
+  </p:clrMapOvr>
+</p:notes>
+</file>
+
+<file path=ppt/notesSlides/notesSlide11.xml><?xml version="1.0" encoding="utf-8"?>
+<p:notes xmlns:a="http://schemas.openxmlformats.org/drawingml/2006/main" xmlns:r="http://schemas.openxmlformats.org/officeDocument/2006/relationships" xmlns:p="http://schemas.openxmlformats.org/presentationml/2006/main">
+  <p:cSld>
+    <p:spTree>
+      <p:nvGrpSpPr>
+        <p:cNvPr id="1" name=""/>
+        <p:cNvGrpSpPr/>
+        <p:nvPr/>
+      </p:nvGrpSpPr>
+      <p:grpSpPr>
+        <a:xfrm>
+          <a:off x="0" y="0"/>
+          <a:ext cx="0" cy="0"/>
+          <a:chOff x="0" y="0"/>
+          <a:chExt cx="0" cy="0"/>
+        </a:xfrm>
+      </p:grpSpPr>
+      <p:sp>
+        <p:nvSpPr>
+          <p:cNvPr id="2" name="Slide Image Placeholder 1"/>
+          <p:cNvSpPr>
+            <a:spLocks noGrp="1" noRot="1" noChangeAspect="1"/>
+          </p:cNvSpPr>
+          <p:nvPr>
+            <p:ph type="sldImg"/>
+          </p:nvPr>
+        </p:nvSpPr>
+        <p:spPr/>
+      </p:sp>
+      <p:sp>
+        <p:nvSpPr>
+          <p:cNvPr id="3" name="Notes Placeholder 2"/>
+          <p:cNvSpPr>
+            <a:spLocks noGrp="1"/>
+          </p:cNvSpPr>
+          <p:nvPr>
+            <p:ph type="body" idx="1"/>
+          </p:nvPr>
+        </p:nvSpPr>
+        <p:spPr/>
+        <p:txBody>
+          <a:bodyPr/>
+          <a:lstStyle/>
+          <a:p>
+            <a:r>
+              <a:rPr lang="it-CH" dirty="0" smtClean="0"/>
+              <a:t>Giulio	</a:t>
+            </a:r>
+            <a:endParaRPr lang="it-CH" dirty="0"/>
+          </a:p>
+        </p:txBody>
+      </p:sp>
+      <p:sp>
+        <p:nvSpPr>
+          <p:cNvPr id="4" name="Slide Number Placeholder 3"/>
+          <p:cNvSpPr>
+            <a:spLocks noGrp="1"/>
+          </p:cNvSpPr>
+          <p:nvPr>
+            <p:ph type="sldNum" sz="quarter" idx="5"/>
+          </p:nvPr>
+        </p:nvSpPr>
+        <p:spPr/>
+        <p:txBody>
+          <a:bodyPr/>
+          <a:lstStyle/>
+          <a:p>
+            <a:fld id="{41B5BFE6-0C32-4B35-8BDF-B5A014C7FC68}" type="slidenum">
+              <a:rPr lang="it-CH" smtClean="0"/>
+              <a:t>12</a:t>
+            </a:fld>
+            <a:endParaRPr lang="it-CH"/>
+          </a:p>
+        </p:txBody>
+      </p:sp>
+    </p:spTree>
+    <p:extLst>
+      <p:ext uri="{BB962C8B-B14F-4D97-AF65-F5344CB8AC3E}">
+        <p14:creationId xmlns:p14="http://schemas.microsoft.com/office/powerpoint/2010/main" val="1851314827"/>
+      </p:ext>
+    </p:extLst>
+  </p:cSld>
+  <p:clrMapOvr>
+    <a:masterClrMapping/>
+  </p:clrMapOvr>
+</p:notes>
+</file>
+
+<file path=ppt/notesSlides/notesSlide12.xml><?xml version="1.0" encoding="utf-8"?>
+<p:notes xmlns:a="http://schemas.openxmlformats.org/drawingml/2006/main" xmlns:r="http://schemas.openxmlformats.org/officeDocument/2006/relationships" xmlns:p="http://schemas.openxmlformats.org/presentationml/2006/main">
+  <p:cSld>
+    <p:spTree>
+      <p:nvGrpSpPr>
+        <p:cNvPr id="1" name=""/>
+        <p:cNvGrpSpPr/>
+        <p:nvPr/>
+      </p:nvGrpSpPr>
+      <p:grpSpPr>
+        <a:xfrm>
+          <a:off x="0" y="0"/>
+          <a:ext cx="0" cy="0"/>
+          <a:chOff x="0" y="0"/>
+          <a:chExt cx="0" cy="0"/>
+        </a:xfrm>
+      </p:grpSpPr>
+      <p:sp>
+        <p:nvSpPr>
+          <p:cNvPr id="2" name="Slide Image Placeholder 1"/>
+          <p:cNvSpPr>
+            <a:spLocks noGrp="1" noRot="1" noChangeAspect="1"/>
+          </p:cNvSpPr>
+          <p:nvPr>
+            <p:ph type="sldImg"/>
+          </p:nvPr>
+        </p:nvSpPr>
+        <p:spPr/>
+      </p:sp>
+      <p:sp>
+        <p:nvSpPr>
+          <p:cNvPr id="3" name="Notes Placeholder 2"/>
+          <p:cNvSpPr>
+            <a:spLocks noGrp="1"/>
+          </p:cNvSpPr>
+          <p:nvPr>
+            <p:ph type="body" idx="1"/>
+          </p:nvPr>
+        </p:nvSpPr>
+        <p:spPr/>
+        <p:txBody>
+          <a:bodyPr/>
+          <a:lstStyle/>
+          <a:p>
+            <a:r>
+              <a:rPr lang="it-CH" dirty="0" smtClean="0"/>
+              <a:t>Paolo</a:t>
+            </a:r>
+            <a:endParaRPr lang="en-US" dirty="0"/>
+          </a:p>
+        </p:txBody>
+      </p:sp>
+      <p:sp>
+        <p:nvSpPr>
+          <p:cNvPr id="4" name="Slide Number Placeholder 3"/>
+          <p:cNvSpPr>
+            <a:spLocks noGrp="1"/>
+          </p:cNvSpPr>
+          <p:nvPr>
+            <p:ph type="sldNum" sz="quarter" idx="10"/>
+          </p:nvPr>
+        </p:nvSpPr>
+        <p:spPr/>
+        <p:txBody>
+          <a:bodyPr/>
+          <a:lstStyle/>
+          <a:p>
+            <a:fld id="{41B5BFE6-0C32-4B35-8BDF-B5A014C7FC68}" type="slidenum">
+              <a:rPr lang="it-CH" smtClean="0"/>
+              <a:t>13</a:t>
+            </a:fld>
+            <a:endParaRPr lang="it-CH"/>
+          </a:p>
+        </p:txBody>
+      </p:sp>
+    </p:spTree>
+    <p:extLst>
+      <p:ext uri="{BB962C8B-B14F-4D97-AF65-F5344CB8AC3E}">
+        <p14:creationId xmlns:p14="http://schemas.microsoft.com/office/powerpoint/2010/main" val="3303537996"/>
+      </p:ext>
+    </p:extLst>
+  </p:cSld>
+  <p:clrMapOvr>
+    <a:masterClrMapping/>
+  </p:clrMapOvr>
+</p:notes>
+</file>
+
+<file path=ppt/notesSlides/notesSlide13.xml><?xml version="1.0" encoding="utf-8"?>
+<p:notes xmlns:a="http://schemas.openxmlformats.org/drawingml/2006/main" xmlns:r="http://schemas.openxmlformats.org/officeDocument/2006/relationships" xmlns:p="http://schemas.openxmlformats.org/presentationml/2006/main">
+  <p:cSld>
+    <p:spTree>
+      <p:nvGrpSpPr>
+        <p:cNvPr id="1" name=""/>
+        <p:cNvGrpSpPr/>
+        <p:nvPr/>
+      </p:nvGrpSpPr>
+      <p:grpSpPr>
+        <a:xfrm>
+          <a:off x="0" y="0"/>
+          <a:ext cx="0" cy="0"/>
+          <a:chOff x="0" y="0"/>
+          <a:chExt cx="0" cy="0"/>
+        </a:xfrm>
+      </p:grpSpPr>
+      <p:sp>
+        <p:nvSpPr>
+          <p:cNvPr id="2" name="Slide Image Placeholder 1"/>
+          <p:cNvSpPr>
+            <a:spLocks noGrp="1" noRot="1" noChangeAspect="1"/>
+          </p:cNvSpPr>
+          <p:nvPr>
+            <p:ph type="sldImg"/>
+          </p:nvPr>
+        </p:nvSpPr>
+        <p:spPr/>
+      </p:sp>
+      <p:sp>
+        <p:nvSpPr>
+          <p:cNvPr id="3" name="Notes Placeholder 2"/>
+          <p:cNvSpPr>
+            <a:spLocks noGrp="1"/>
+          </p:cNvSpPr>
+          <p:nvPr>
+            <p:ph type="body" idx="1"/>
+          </p:nvPr>
+        </p:nvSpPr>
+        <p:spPr/>
+        <p:txBody>
+          <a:bodyPr/>
+          <a:lstStyle/>
+          <a:p>
+            <a:r>
+              <a:rPr lang="it-CH" smtClean="0"/>
+              <a:t>Paolo</a:t>
+            </a:r>
+            <a:endParaRPr lang="it-CH" dirty="0"/>
+          </a:p>
+        </p:txBody>
+      </p:sp>
+      <p:sp>
+        <p:nvSpPr>
+          <p:cNvPr id="4" name="Slide Number Placeholder 3"/>
+          <p:cNvSpPr>
+            <a:spLocks noGrp="1"/>
+          </p:cNvSpPr>
+          <p:nvPr>
+            <p:ph type="sldNum" sz="quarter" idx="5"/>
+          </p:nvPr>
+        </p:nvSpPr>
+        <p:spPr/>
+        <p:txBody>
+          <a:bodyPr/>
+          <a:lstStyle/>
+          <a:p>
+            <a:fld id="{41B5BFE6-0C32-4B35-8BDF-B5A014C7FC68}" type="slidenum">
+              <a:rPr lang="it-CH" smtClean="0"/>
+              <a:t>14</a:t>
+            </a:fld>
+            <a:endParaRPr lang="it-CH"/>
+          </a:p>
+        </p:txBody>
+      </p:sp>
+    </p:spTree>
+    <p:extLst>
+      <p:ext uri="{BB962C8B-B14F-4D97-AF65-F5344CB8AC3E}">
+        <p14:creationId xmlns:p14="http://schemas.microsoft.com/office/powerpoint/2010/main" val="3955240797"/>
       </p:ext>
     </p:extLst>
   </p:cSld>
@@ -619,6 +959,28 @@
           <a:bodyPr/>
           <a:lstStyle/>
           <a:p>
+            <a:r>
+              <a:rPr lang="it-CH" dirty="0" smtClean="0"/>
+              <a:t>Rub</a:t>
+            </a:r>
+          </a:p>
+          <a:p>
+            <a:r>
+              <a:rPr lang="it-CH" dirty="0" smtClean="0"/>
+              <a:t>Scopo </a:t>
+            </a:r>
+            <a:r>
+              <a:rPr lang="it-CH" dirty="0"/>
+              <a:t>progetto</a:t>
+            </a:r>
+          </a:p>
+          <a:p>
+            <a:r>
+              <a:rPr lang="it-CH" dirty="0"/>
+              <a:t>Situazione iniziale</a:t>
+            </a:r>
+          </a:p>
+          <a:p>
             <a:endParaRPr lang="it-CH" dirty="0"/>
           </a:p>
         </p:txBody>
@@ -640,7 +1002,7 @@
           <a:p>
             <a:fld id="{41B5BFE6-0C32-4B35-8BDF-B5A014C7FC68}" type="slidenum">
               <a:rPr lang="it-CH" smtClean="0"/>
-              <a:t>4</a:t>
+              <a:t>3</a:t>
             </a:fld>
             <a:endParaRPr lang="it-CH"/>
           </a:p>
@@ -649,7 +1011,7 @@
     </p:spTree>
     <p:extLst>
       <p:ext uri="{BB962C8B-B14F-4D97-AF65-F5344CB8AC3E}">
-        <p14:creationId xmlns:p14="http://schemas.microsoft.com/office/powerpoint/2010/main" val="3155399276"/>
+        <p14:creationId xmlns:p14="http://schemas.microsoft.com/office/powerpoint/2010/main" val="1436261621"/>
       </p:ext>
     </p:extLst>
   </p:cSld>
@@ -704,48 +1066,9 @@
           <a:lstStyle/>
           <a:p>
             <a:r>
-              <a:rPr lang="it-CH" dirty="0"/>
-              <a:t>LDAP = </a:t>
-            </a:r>
-            <a:r>
-              <a:rPr lang="it-CH" sz="1200" b="0" i="0" kern="1200" dirty="0">
-                <a:solidFill>
-                  <a:schemeClr val="tx1"/>
-                </a:solidFill>
-                <a:effectLst/>
-                <a:latin typeface="+mn-lt"/>
-                <a:ea typeface="+mn-ea"/>
-                <a:cs typeface="+mn-cs"/>
-              </a:rPr>
-              <a:t>Lightweight Directory Access Protocol</a:t>
-            </a:r>
-          </a:p>
-          <a:p>
-            <a:r>
-              <a:rPr lang="it-CH" sz="1200" b="0" i="0" kern="1200" dirty="0">
-                <a:solidFill>
-                  <a:schemeClr val="tx1"/>
-                </a:solidFill>
-                <a:effectLst/>
-                <a:latin typeface="+mn-lt"/>
-                <a:ea typeface="+mn-ea"/>
-                <a:cs typeface="+mn-cs"/>
-              </a:rPr>
-              <a:t>JDBC = Java Database Connectivity</a:t>
-            </a:r>
-          </a:p>
-          <a:p>
-            <a:endParaRPr lang="it-CH" sz="1200" b="0" i="0" kern="1200" dirty="0">
-              <a:solidFill>
-                <a:schemeClr val="tx1"/>
-              </a:solidFill>
-              <a:effectLst/>
-              <a:latin typeface="+mn-lt"/>
-              <a:ea typeface="+mn-ea"/>
-              <a:cs typeface="+mn-cs"/>
-            </a:endParaRPr>
-          </a:p>
-          <a:p>
+              <a:rPr lang="it-CH" dirty="0" smtClean="0"/>
+              <a:t>Rub</a:t>
+            </a:r>
             <a:endParaRPr lang="it-CH" dirty="0"/>
           </a:p>
         </p:txBody>
@@ -767,7 +1090,7 @@
           <a:p>
             <a:fld id="{41B5BFE6-0C32-4B35-8BDF-B5A014C7FC68}" type="slidenum">
               <a:rPr lang="it-CH" smtClean="0"/>
-              <a:t>5</a:t>
+              <a:t>4</a:t>
             </a:fld>
             <a:endParaRPr lang="it-CH"/>
           </a:p>
@@ -776,7 +1099,7 @@
     </p:spTree>
     <p:extLst>
       <p:ext uri="{BB962C8B-B14F-4D97-AF65-F5344CB8AC3E}">
-        <p14:creationId xmlns:p14="http://schemas.microsoft.com/office/powerpoint/2010/main" val="4088539229"/>
+        <p14:creationId xmlns:p14="http://schemas.microsoft.com/office/powerpoint/2010/main" val="3155399276"/>
       </p:ext>
     </p:extLst>
   </p:cSld>
@@ -830,6 +1153,59 @@
           <a:bodyPr/>
           <a:lstStyle/>
           <a:p>
+            <a:r>
+              <a:rPr lang="it-CH" dirty="0" smtClean="0"/>
+              <a:t>Giulio</a:t>
+            </a:r>
+          </a:p>
+          <a:p>
+            <a:r>
+              <a:rPr lang="it-CH" dirty="0" smtClean="0"/>
+              <a:t>LDAP </a:t>
+            </a:r>
+            <a:r>
+              <a:rPr lang="it-CH" dirty="0"/>
+              <a:t>= </a:t>
+            </a:r>
+            <a:r>
+              <a:rPr lang="it-CH" sz="1200" b="0" i="0" kern="1200" dirty="0">
+                <a:solidFill>
+                  <a:schemeClr val="tx1"/>
+                </a:solidFill>
+                <a:effectLst/>
+                <a:latin typeface="+mn-lt"/>
+                <a:ea typeface="+mn-ea"/>
+                <a:cs typeface="+mn-cs"/>
+              </a:rPr>
+              <a:t>Lightweight Directory Access Protocol</a:t>
+            </a:r>
+          </a:p>
+          <a:p>
+            <a:r>
+              <a:rPr lang="it-CH" sz="1200" b="0" i="0" kern="1200" dirty="0">
+                <a:solidFill>
+                  <a:schemeClr val="tx1"/>
+                </a:solidFill>
+                <a:effectLst/>
+                <a:latin typeface="+mn-lt"/>
+                <a:ea typeface="+mn-ea"/>
+                <a:cs typeface="+mn-cs"/>
+              </a:rPr>
+              <a:t>JDBC = Java Database Connectivity</a:t>
+            </a:r>
+          </a:p>
+          <a:p>
+            <a:endParaRPr lang="it-CH" sz="1200" b="0" i="0" kern="1200" dirty="0">
+              <a:solidFill>
+                <a:schemeClr val="tx1"/>
+              </a:solidFill>
+              <a:effectLst/>
+              <a:latin typeface="+mn-lt"/>
+              <a:ea typeface="+mn-ea"/>
+              <a:cs typeface="+mn-cs"/>
+            </a:endParaRPr>
+          </a:p>
+          <a:p>
             <a:endParaRPr lang="it-CH" dirty="0"/>
           </a:p>
         </p:txBody>
@@ -851,7 +1227,7 @@
           <a:p>
             <a:fld id="{41B5BFE6-0C32-4B35-8BDF-B5A014C7FC68}" type="slidenum">
               <a:rPr lang="it-CH" smtClean="0"/>
-              <a:t>6</a:t>
+              <a:t>5</a:t>
             </a:fld>
             <a:endParaRPr lang="it-CH"/>
           </a:p>
@@ -860,7 +1236,7 @@
     </p:spTree>
     <p:extLst>
       <p:ext uri="{BB962C8B-B14F-4D97-AF65-F5344CB8AC3E}">
-        <p14:creationId xmlns:p14="http://schemas.microsoft.com/office/powerpoint/2010/main" val="2641017928"/>
+        <p14:creationId xmlns:p14="http://schemas.microsoft.com/office/powerpoint/2010/main" val="4088539229"/>
       </p:ext>
     </p:extLst>
   </p:cSld>
@@ -914,7 +1290,10 @@
           <a:bodyPr/>
           <a:lstStyle/>
           <a:p>
-            <a:endParaRPr lang="it-CH" dirty="0"/>
+            <a:r>
+              <a:rPr lang="it-CH" dirty="0" smtClean="0"/>
+              <a:t>Giulio</a:t>
+            </a:r>
           </a:p>
         </p:txBody>
       </p:sp>
@@ -935,7 +1314,7 @@
           <a:p>
             <a:fld id="{41B5BFE6-0C32-4B35-8BDF-B5A014C7FC68}" type="slidenum">
               <a:rPr lang="it-CH" smtClean="0"/>
-              <a:t>7</a:t>
+              <a:t>6</a:t>
             </a:fld>
             <a:endParaRPr lang="it-CH"/>
           </a:p>
@@ -944,7 +1323,7 @@
     </p:spTree>
     <p:extLst>
       <p:ext uri="{BB962C8B-B14F-4D97-AF65-F5344CB8AC3E}">
-        <p14:creationId xmlns:p14="http://schemas.microsoft.com/office/powerpoint/2010/main" val="3402161656"/>
+        <p14:creationId xmlns:p14="http://schemas.microsoft.com/office/powerpoint/2010/main" val="2641017928"/>
       </p:ext>
     </p:extLst>
   </p:cSld>
@@ -998,6 +1377,12 @@
           <a:bodyPr/>
           <a:lstStyle/>
           <a:p>
+            <a:r>
+              <a:rPr lang="it-CH" dirty="0" smtClean="0"/>
+              <a:t>Rub</a:t>
+            </a:r>
+          </a:p>
+          <a:p>
             <a:endParaRPr lang="it-CH" dirty="0"/>
           </a:p>
         </p:txBody>
@@ -1019,7 +1404,7 @@
           <a:p>
             <a:fld id="{41B5BFE6-0C32-4B35-8BDF-B5A014C7FC68}" type="slidenum">
               <a:rPr lang="it-CH" smtClean="0"/>
-              <a:t>8</a:t>
+              <a:t>7</a:t>
             </a:fld>
             <a:endParaRPr lang="it-CH"/>
           </a:p>
@@ -1028,7 +1413,7 @@
     </p:spTree>
     <p:extLst>
       <p:ext uri="{BB962C8B-B14F-4D97-AF65-F5344CB8AC3E}">
-        <p14:creationId xmlns:p14="http://schemas.microsoft.com/office/powerpoint/2010/main" val="2603366699"/>
+        <p14:creationId xmlns:p14="http://schemas.microsoft.com/office/powerpoint/2010/main" val="3402161656"/>
       </p:ext>
     </p:extLst>
   </p:cSld>
@@ -1082,6 +1467,10 @@
           <a:bodyPr/>
           <a:lstStyle/>
           <a:p>
+            <a:r>
+              <a:rPr lang="it-CH" dirty="0" smtClean="0"/>
+              <a:t>Giulio</a:t>
+            </a:r>
             <a:endParaRPr lang="it-CH" dirty="0"/>
           </a:p>
         </p:txBody>
@@ -1103,7 +1492,7 @@
           <a:p>
             <a:fld id="{41B5BFE6-0C32-4B35-8BDF-B5A014C7FC68}" type="slidenum">
               <a:rPr lang="it-CH" smtClean="0"/>
-              <a:t>11</a:t>
+              <a:t>8</a:t>
             </a:fld>
             <a:endParaRPr lang="it-CH"/>
           </a:p>
@@ -1112,7 +1501,7 @@
     </p:spTree>
     <p:extLst>
       <p:ext uri="{BB962C8B-B14F-4D97-AF65-F5344CB8AC3E}">
-        <p14:creationId xmlns:p14="http://schemas.microsoft.com/office/powerpoint/2010/main" val="3447540936"/>
+        <p14:creationId xmlns:p14="http://schemas.microsoft.com/office/powerpoint/2010/main" val="2603366699"/>
       </p:ext>
     </p:extLst>
   </p:cSld>
@@ -1166,7 +1555,11 @@
           <a:bodyPr/>
           <a:lstStyle/>
           <a:p>
-            <a:endParaRPr lang="it-CH" dirty="0"/>
+            <a:r>
+              <a:rPr lang="it-CH" dirty="0" smtClean="0"/>
+              <a:t>Giulio</a:t>
+            </a:r>
+            <a:endParaRPr lang="en-US" dirty="0"/>
           </a:p>
         </p:txBody>
       </p:sp>
@@ -1177,7 +1570,7 @@
             <a:spLocks noGrp="1"/>
           </p:cNvSpPr>
           <p:nvPr>
-            <p:ph type="sldNum" sz="quarter" idx="5"/>
+            <p:ph type="sldNum" sz="quarter" idx="10"/>
           </p:nvPr>
         </p:nvSpPr>
         <p:spPr/>
@@ -1187,7 +1580,7 @@
           <a:p>
             <a:fld id="{41B5BFE6-0C32-4B35-8BDF-B5A014C7FC68}" type="slidenum">
               <a:rPr lang="it-CH" smtClean="0"/>
-              <a:t>12</a:t>
+              <a:t>9</a:t>
             </a:fld>
             <a:endParaRPr lang="it-CH"/>
           </a:p>
@@ -1196,7 +1589,7 @@
     </p:spTree>
     <p:extLst>
       <p:ext uri="{BB962C8B-B14F-4D97-AF65-F5344CB8AC3E}">
-        <p14:creationId xmlns:p14="http://schemas.microsoft.com/office/powerpoint/2010/main" val="1851314827"/>
+        <p14:creationId xmlns:p14="http://schemas.microsoft.com/office/powerpoint/2010/main" val="3467280176"/>
       </p:ext>
     </p:extLst>
   </p:cSld>
@@ -1250,7 +1643,11 @@
           <a:bodyPr/>
           <a:lstStyle/>
           <a:p>
-            <a:endParaRPr lang="it-CH" dirty="0"/>
+            <a:r>
+              <a:rPr lang="it-CH" dirty="0" smtClean="0"/>
+              <a:t>Paolo</a:t>
+            </a:r>
+            <a:endParaRPr lang="en-US" dirty="0"/>
           </a:p>
         </p:txBody>
       </p:sp>
@@ -1261,7 +1658,7 @@
             <a:spLocks noGrp="1"/>
           </p:cNvSpPr>
           <p:nvPr>
-            <p:ph type="sldNum" sz="quarter" idx="5"/>
+            <p:ph type="sldNum" sz="quarter" idx="10"/>
           </p:nvPr>
         </p:nvSpPr>
         <p:spPr/>
@@ -1271,7 +1668,7 @@
           <a:p>
             <a:fld id="{41B5BFE6-0C32-4B35-8BDF-B5A014C7FC68}" type="slidenum">
               <a:rPr lang="it-CH" smtClean="0"/>
-              <a:t>14</a:t>
+              <a:t>10</a:t>
             </a:fld>
             <a:endParaRPr lang="it-CH"/>
           </a:p>
@@ -1280,7 +1677,7 @@
     </p:spTree>
     <p:extLst>
       <p:ext uri="{BB962C8B-B14F-4D97-AF65-F5344CB8AC3E}">
-        <p14:creationId xmlns:p14="http://schemas.microsoft.com/office/powerpoint/2010/main" val="3955240797"/>
+        <p14:creationId xmlns:p14="http://schemas.microsoft.com/office/powerpoint/2010/main" val="440622392"/>
       </p:ext>
     </p:extLst>
   </p:cSld>
@@ -5323,7 +5720,7 @@
           </p:nvPr>
         </p:nvPicPr>
         <p:blipFill>
-          <a:blip r:embed="rId2">
+          <a:blip r:embed="rId3">
             <a:extLst>
               <a:ext uri="{28A0092B-C50C-407E-A947-70E740481C1C}">
                 <a14:useLocalDpi xmlns:a14="http://schemas.microsoft.com/office/drawing/2010/main" val="0"/>
@@ -5614,31 +6011,31 @@
             <a:pPr lvl="1"/>
             <a:r>
               <a:rPr lang="it-CH" dirty="0">
-                <a:hlinkClick r:id="rId2"/>
+                <a:hlinkClick r:id="rId3"/>
               </a:rPr>
               <a:t>m</a:t>
             </a:r>
-            <a:r>
-              <a:rPr lang="it-CH" dirty="0" smtClean="0">
-                <a:hlinkClick r:id="rId2"/>
-              </a:rPr>
-              <a:t>attia.ruberto@samtrevano.ch</a:t>
-            </a:r>
-            <a:endParaRPr lang="it-CH" dirty="0" smtClean="0"/>
-          </a:p>
-          <a:p>
-            <a:r>
-              <a:rPr lang="it-CH" dirty="0" smtClean="0"/>
-              <a:t>Giulio Bosco</a:t>
-            </a:r>
-            <a:endParaRPr lang="it-CH" dirty="0"/>
-          </a:p>
-          <a:p>
-            <a:pPr lvl="1"/>
             <a:r>
               <a:rPr lang="it-CH" dirty="0" smtClean="0">
                 <a:hlinkClick r:id="rId3"/>
               </a:rPr>
+              <a:t>attia.ruberto@samtrevano.ch</a:t>
+            </a:r>
+            <a:endParaRPr lang="it-CH" dirty="0" smtClean="0"/>
+          </a:p>
+          <a:p>
+            <a:r>
+              <a:rPr lang="it-CH" dirty="0" smtClean="0"/>
+              <a:t>Giulio Bosco</a:t>
+            </a:r>
+            <a:endParaRPr lang="it-CH" dirty="0"/>
+          </a:p>
+          <a:p>
+            <a:pPr lvl="1"/>
+            <a:r>
+              <a:rPr lang="it-CH" dirty="0" smtClean="0">
+                <a:hlinkClick r:id="rId4"/>
+              </a:rPr>
               <a:t>giulio.bosco@samtrevano.ch</a:t>
             </a:r>
             <a:endParaRPr lang="it-CH" dirty="0" smtClean="0"/>
@@ -5654,7 +6051,7 @@
             <a:pPr lvl="1"/>
             <a:r>
               <a:rPr lang="it-CH" dirty="0" smtClean="0">
-                <a:hlinkClick r:id="rId4"/>
+                <a:hlinkClick r:id="rId5"/>
               </a:rPr>
               <a:t>Paolo.guebli@samtrevano.ch</a:t>
             </a:r>
@@ -5902,11 +6299,7 @@
             <a:pPr lvl="1"/>
             <a:r>
               <a:rPr lang="it-CH" dirty="0" smtClean="0"/>
-              <a:t>Controllo</a:t>
-            </a:r>
-            <a:r>
-              <a:rPr lang="it-CH" dirty="0" smtClean="0"/>
-              <a:t> </a:t>
+              <a:t>Controllo </a:t>
             </a:r>
             <a:r>
               <a:rPr lang="it-CH" dirty="0"/>
@@ -6596,11 +6989,18 @@
           <a:bodyPr/>
           <a:lstStyle/>
           <a:p>
-            <a:r>
-              <a:rPr lang="it-CH" dirty="0" smtClean="0"/>
+            <a:pPr algn="ctr"/>
+            <a:r>
+              <a:rPr lang="it-CH" dirty="0" smtClean="0">
+                <a:latin typeface="Helvetica" panose="020B0604020202020204" pitchFamily="34" charset="0"/>
+                <a:cs typeface="Helvetica" panose="020B0604020202020204" pitchFamily="34" charset="0"/>
+              </a:rPr>
               <a:t>Tomcat</a:t>
             </a:r>
-            <a:endParaRPr lang="en-US" dirty="0"/>
+            <a:endParaRPr lang="en-US" dirty="0">
+              <a:latin typeface="Helvetica" panose="020B0604020202020204" pitchFamily="34" charset="0"/>
+              <a:cs typeface="Helvetica" panose="020B0604020202020204" pitchFamily="34" charset="0"/>
+            </a:endParaRPr>
           </a:p>
         </p:txBody>
       </p:sp>

--- a/consegna/Presentazione_ProgettoDomotica_Ruberto_Bosco_Gübli.pptx
+++ b/consegna/Presentazione_ProgettoDomotica_Ruberto_Bosco_Gübli.pptx
@@ -5,13 +5,13 @@
     <p:sldMasterId id="2147483648" r:id="rId1"/>
   </p:sldMasterIdLst>
   <p:notesMasterIdLst>
-    <p:notesMasterId r:id="rId17"/>
+    <p:notesMasterId r:id="rId16"/>
   </p:notesMasterIdLst>
   <p:sldIdLst>
     <p:sldId id="256" r:id="rId2"/>
-    <p:sldId id="279" r:id="rId3"/>
-    <p:sldId id="257" r:id="rId4"/>
-    <p:sldId id="267" r:id="rId5"/>
+    <p:sldId id="257" r:id="rId3"/>
+    <p:sldId id="267" r:id="rId4"/>
+    <p:sldId id="273" r:id="rId5"/>
     <p:sldId id="259" r:id="rId6"/>
     <p:sldId id="266" r:id="rId7"/>
     <p:sldId id="274" r:id="rId8"/>
@@ -20,9 +20,8 @@
     <p:sldId id="275" r:id="rId11"/>
     <p:sldId id="270" r:id="rId12"/>
     <p:sldId id="271" r:id="rId13"/>
-    <p:sldId id="273" r:id="rId14"/>
-    <p:sldId id="272" r:id="rId15"/>
-    <p:sldId id="277" r:id="rId16"/>
+    <p:sldId id="272" r:id="rId14"/>
+    <p:sldId id="277" r:id="rId15"/>
   </p:sldIdLst>
   <p:sldSz cx="12192000" cy="6858000"/>
   <p:notesSz cx="6858000" cy="9144000"/>
@@ -211,7 +210,7 @@
           <a:p>
             <a:fld id="{E1601F66-F1D6-4845-A1EF-3B74036EC7C0}" type="datetimeFigureOut">
               <a:rPr lang="it-CH" smtClean="0"/>
-              <a:t>24.05.2019</a:t>
+              <a:t>29.05.2019</a:t>
             </a:fld>
             <a:endParaRPr lang="it-CH"/>
           </a:p>
@@ -523,7 +522,29 @@
           <a:bodyPr/>
           <a:lstStyle/>
           <a:p>
-            <a:endParaRPr lang="en-US" dirty="0"/>
+            <a:r>
+              <a:rPr lang="it-CH" dirty="0" smtClean="0"/>
+              <a:t>Rub</a:t>
+            </a:r>
+          </a:p>
+          <a:p>
+            <a:r>
+              <a:rPr lang="it-CH" dirty="0" smtClean="0"/>
+              <a:t>Scopo </a:t>
+            </a:r>
+            <a:r>
+              <a:rPr lang="it-CH" dirty="0"/>
+              <a:t>progetto</a:t>
+            </a:r>
+          </a:p>
+          <a:p>
+            <a:r>
+              <a:rPr lang="it-CH" dirty="0"/>
+              <a:t>Situazione iniziale</a:t>
+            </a:r>
+          </a:p>
+          <a:p>
+            <a:endParaRPr lang="it-CH" dirty="0"/>
           </a:p>
         </p:txBody>
       </p:sp>
@@ -534,7 +555,7 @@
             <a:spLocks noGrp="1"/>
           </p:cNvSpPr>
           <p:nvPr>
-            <p:ph type="sldNum" sz="quarter" idx="10"/>
+            <p:ph type="sldNum" sz="quarter" idx="5"/>
           </p:nvPr>
         </p:nvSpPr>
         <p:spPr/>
@@ -553,7 +574,7 @@
     </p:spTree>
     <p:extLst>
       <p:ext uri="{BB962C8B-B14F-4D97-AF65-F5344CB8AC3E}">
-        <p14:creationId xmlns:p14="http://schemas.microsoft.com/office/powerpoint/2010/main" val="4237220064"/>
+        <p14:creationId xmlns:p14="http://schemas.microsoft.com/office/powerpoint/2010/main" val="1436261621"/>
       </p:ext>
     </p:extLst>
   </p:cSld>
@@ -784,10 +805,10 @@
           <a:lstStyle/>
           <a:p>
             <a:r>
-              <a:rPr lang="it-CH" dirty="0" smtClean="0"/>
+              <a:rPr lang="it-CH" smtClean="0"/>
               <a:t>Paolo</a:t>
             </a:r>
-            <a:endParaRPr lang="en-US" dirty="0"/>
+            <a:endParaRPr lang="it-CH" dirty="0"/>
           </a:p>
         </p:txBody>
       </p:sp>
@@ -798,7 +819,7 @@
             <a:spLocks noGrp="1"/>
           </p:cNvSpPr>
           <p:nvPr>
-            <p:ph type="sldNum" sz="quarter" idx="10"/>
+            <p:ph type="sldNum" sz="quarter" idx="5"/>
           </p:nvPr>
         </p:nvSpPr>
         <p:spPr/>
@@ -809,94 +830,6 @@
             <a:fld id="{41B5BFE6-0C32-4B35-8BDF-B5A014C7FC68}" type="slidenum">
               <a:rPr lang="it-CH" smtClean="0"/>
               <a:t>13</a:t>
-            </a:fld>
-            <a:endParaRPr lang="it-CH"/>
-          </a:p>
-        </p:txBody>
-      </p:sp>
-    </p:spTree>
-    <p:extLst>
-      <p:ext uri="{BB962C8B-B14F-4D97-AF65-F5344CB8AC3E}">
-        <p14:creationId xmlns:p14="http://schemas.microsoft.com/office/powerpoint/2010/main" val="3303537996"/>
-      </p:ext>
-    </p:extLst>
-  </p:cSld>
-  <p:clrMapOvr>
-    <a:masterClrMapping/>
-  </p:clrMapOvr>
-</p:notes>
-</file>
-
-<file path=ppt/notesSlides/notesSlide13.xml><?xml version="1.0" encoding="utf-8"?>
-<p:notes xmlns:a="http://schemas.openxmlformats.org/drawingml/2006/main" xmlns:r="http://schemas.openxmlformats.org/officeDocument/2006/relationships" xmlns:p="http://schemas.openxmlformats.org/presentationml/2006/main">
-  <p:cSld>
-    <p:spTree>
-      <p:nvGrpSpPr>
-        <p:cNvPr id="1" name=""/>
-        <p:cNvGrpSpPr/>
-        <p:nvPr/>
-      </p:nvGrpSpPr>
-      <p:grpSpPr>
-        <a:xfrm>
-          <a:off x="0" y="0"/>
-          <a:ext cx="0" cy="0"/>
-          <a:chOff x="0" y="0"/>
-          <a:chExt cx="0" cy="0"/>
-        </a:xfrm>
-      </p:grpSpPr>
-      <p:sp>
-        <p:nvSpPr>
-          <p:cNvPr id="2" name="Slide Image Placeholder 1"/>
-          <p:cNvSpPr>
-            <a:spLocks noGrp="1" noRot="1" noChangeAspect="1"/>
-          </p:cNvSpPr>
-          <p:nvPr>
-            <p:ph type="sldImg"/>
-          </p:nvPr>
-        </p:nvSpPr>
-        <p:spPr/>
-      </p:sp>
-      <p:sp>
-        <p:nvSpPr>
-          <p:cNvPr id="3" name="Notes Placeholder 2"/>
-          <p:cNvSpPr>
-            <a:spLocks noGrp="1"/>
-          </p:cNvSpPr>
-          <p:nvPr>
-            <p:ph type="body" idx="1"/>
-          </p:nvPr>
-        </p:nvSpPr>
-        <p:spPr/>
-        <p:txBody>
-          <a:bodyPr/>
-          <a:lstStyle/>
-          <a:p>
-            <a:r>
-              <a:rPr lang="it-CH" smtClean="0"/>
-              <a:t>Paolo</a:t>
-            </a:r>
-            <a:endParaRPr lang="it-CH" dirty="0"/>
-          </a:p>
-        </p:txBody>
-      </p:sp>
-      <p:sp>
-        <p:nvSpPr>
-          <p:cNvPr id="4" name="Slide Number Placeholder 3"/>
-          <p:cNvSpPr>
-            <a:spLocks noGrp="1"/>
-          </p:cNvSpPr>
-          <p:nvPr>
-            <p:ph type="sldNum" sz="quarter" idx="5"/>
-          </p:nvPr>
-        </p:nvSpPr>
-        <p:spPr/>
-        <p:txBody>
-          <a:bodyPr/>
-          <a:lstStyle/>
-          <a:p>
-            <a:fld id="{41B5BFE6-0C32-4B35-8BDF-B5A014C7FC68}" type="slidenum">
-              <a:rPr lang="it-CH" smtClean="0"/>
-              <a:t>14</a:t>
             </a:fld>
             <a:endParaRPr lang="it-CH"/>
           </a:p>
@@ -963,24 +896,6 @@
               <a:rPr lang="it-CH" dirty="0" smtClean="0"/>
               <a:t>Rub</a:t>
             </a:r>
-          </a:p>
-          <a:p>
-            <a:r>
-              <a:rPr lang="it-CH" dirty="0" smtClean="0"/>
-              <a:t>Scopo </a:t>
-            </a:r>
-            <a:r>
-              <a:rPr lang="it-CH" dirty="0"/>
-              <a:t>progetto</a:t>
-            </a:r>
-          </a:p>
-          <a:p>
-            <a:r>
-              <a:rPr lang="it-CH" dirty="0"/>
-              <a:t>Situazione iniziale</a:t>
-            </a:r>
-          </a:p>
-          <a:p>
             <a:endParaRPr lang="it-CH" dirty="0"/>
           </a:p>
         </p:txBody>
@@ -1011,7 +926,7 @@
     </p:spTree>
     <p:extLst>
       <p:ext uri="{BB962C8B-B14F-4D97-AF65-F5344CB8AC3E}">
-        <p14:creationId xmlns:p14="http://schemas.microsoft.com/office/powerpoint/2010/main" val="1436261621"/>
+        <p14:creationId xmlns:p14="http://schemas.microsoft.com/office/powerpoint/2010/main" val="3155399276"/>
       </p:ext>
     </p:extLst>
   </p:cSld>
@@ -1067,9 +982,9 @@
           <a:p>
             <a:r>
               <a:rPr lang="it-CH" dirty="0" smtClean="0"/>
-              <a:t>Rub</a:t>
-            </a:r>
-            <a:endParaRPr lang="it-CH" dirty="0"/>
+              <a:t>Paolo</a:t>
+            </a:r>
+            <a:endParaRPr lang="en-US" dirty="0"/>
           </a:p>
         </p:txBody>
       </p:sp>
@@ -1080,7 +995,7 @@
             <a:spLocks noGrp="1"/>
           </p:cNvSpPr>
           <p:nvPr>
-            <p:ph type="sldNum" sz="quarter" idx="5"/>
+            <p:ph type="sldNum" sz="quarter" idx="10"/>
           </p:nvPr>
         </p:nvSpPr>
         <p:spPr/>
@@ -1099,7 +1014,7 @@
     </p:spTree>
     <p:extLst>
       <p:ext uri="{BB962C8B-B14F-4D97-AF65-F5344CB8AC3E}">
-        <p14:creationId xmlns:p14="http://schemas.microsoft.com/office/powerpoint/2010/main" val="3155399276"/>
+        <p14:creationId xmlns:p14="http://schemas.microsoft.com/office/powerpoint/2010/main" val="3303537996"/>
       </p:ext>
     </p:extLst>
   </p:cSld>
@@ -1836,7 +1751,7 @@
           <a:p>
             <a:fld id="{1771A621-C728-4886-904F-8520FED1FC0E}" type="datetimeFigureOut">
               <a:rPr lang="it-CH" smtClean="0"/>
-              <a:t>24.05.2019</a:t>
+              <a:t>29.05.2019</a:t>
             </a:fld>
             <a:endParaRPr lang="it-CH"/>
           </a:p>
@@ -2036,7 +1951,7 @@
           <a:p>
             <a:fld id="{1771A621-C728-4886-904F-8520FED1FC0E}" type="datetimeFigureOut">
               <a:rPr lang="it-CH" smtClean="0"/>
-              <a:t>24.05.2019</a:t>
+              <a:t>29.05.2019</a:t>
             </a:fld>
             <a:endParaRPr lang="it-CH"/>
           </a:p>
@@ -2246,7 +2161,7 @@
           <a:p>
             <a:fld id="{1771A621-C728-4886-904F-8520FED1FC0E}" type="datetimeFigureOut">
               <a:rPr lang="it-CH" smtClean="0"/>
-              <a:t>24.05.2019</a:t>
+              <a:t>29.05.2019</a:t>
             </a:fld>
             <a:endParaRPr lang="it-CH"/>
           </a:p>
@@ -2446,7 +2361,7 @@
           <a:p>
             <a:fld id="{1771A621-C728-4886-904F-8520FED1FC0E}" type="datetimeFigureOut">
               <a:rPr lang="it-CH" smtClean="0"/>
-              <a:t>24.05.2019</a:t>
+              <a:t>29.05.2019</a:t>
             </a:fld>
             <a:endParaRPr lang="it-CH"/>
           </a:p>
@@ -2722,7 +2637,7 @@
           <a:p>
             <a:fld id="{1771A621-C728-4886-904F-8520FED1FC0E}" type="datetimeFigureOut">
               <a:rPr lang="it-CH" smtClean="0"/>
-              <a:t>24.05.2019</a:t>
+              <a:t>29.05.2019</a:t>
             </a:fld>
             <a:endParaRPr lang="it-CH"/>
           </a:p>
@@ -2990,7 +2905,7 @@
           <a:p>
             <a:fld id="{1771A621-C728-4886-904F-8520FED1FC0E}" type="datetimeFigureOut">
               <a:rPr lang="it-CH" smtClean="0"/>
-              <a:t>24.05.2019</a:t>
+              <a:t>29.05.2019</a:t>
             </a:fld>
             <a:endParaRPr lang="it-CH"/>
           </a:p>
@@ -3405,7 +3320,7 @@
           <a:p>
             <a:fld id="{1771A621-C728-4886-904F-8520FED1FC0E}" type="datetimeFigureOut">
               <a:rPr lang="it-CH" smtClean="0"/>
-              <a:t>24.05.2019</a:t>
+              <a:t>29.05.2019</a:t>
             </a:fld>
             <a:endParaRPr lang="it-CH"/>
           </a:p>
@@ -3547,7 +3462,7 @@
           <a:p>
             <a:fld id="{1771A621-C728-4886-904F-8520FED1FC0E}" type="datetimeFigureOut">
               <a:rPr lang="it-CH" smtClean="0"/>
-              <a:t>24.05.2019</a:t>
+              <a:t>29.05.2019</a:t>
             </a:fld>
             <a:endParaRPr lang="it-CH"/>
           </a:p>
@@ -3660,7 +3575,7 @@
           <a:p>
             <a:fld id="{1771A621-C728-4886-904F-8520FED1FC0E}" type="datetimeFigureOut">
               <a:rPr lang="it-CH" smtClean="0"/>
-              <a:t>24.05.2019</a:t>
+              <a:t>29.05.2019</a:t>
             </a:fld>
             <a:endParaRPr lang="it-CH"/>
           </a:p>
@@ -3973,7 +3888,7 @@
           <a:p>
             <a:fld id="{1771A621-C728-4886-904F-8520FED1FC0E}" type="datetimeFigureOut">
               <a:rPr lang="it-CH" smtClean="0"/>
-              <a:t>24.05.2019</a:t>
+              <a:t>29.05.2019</a:t>
             </a:fld>
             <a:endParaRPr lang="it-CH"/>
           </a:p>
@@ -4262,7 +4177,7 @@
           <a:p>
             <a:fld id="{1771A621-C728-4886-904F-8520FED1FC0E}" type="datetimeFigureOut">
               <a:rPr lang="it-CH" smtClean="0"/>
-              <a:t>24.05.2019</a:t>
+              <a:t>29.05.2019</a:t>
             </a:fld>
             <a:endParaRPr lang="it-CH"/>
           </a:p>
@@ -4505,7 +4420,7 @@
           <a:p>
             <a:fld id="{1771A621-C728-4886-904F-8520FED1FC0E}" type="datetimeFigureOut">
               <a:rPr lang="it-CH" smtClean="0"/>
-              <a:t>24.05.2019</a:t>
+              <a:t>29.05.2019</a:t>
             </a:fld>
             <a:endParaRPr lang="it-CH"/>
           </a:p>
@@ -4991,6 +4906,13 @@
   <p:clrMapOvr>
     <a:masterClrMapping/>
   </p:clrMapOvr>
+  <p:timing>
+    <p:tnLst>
+      <p:par>
+        <p:cTn id="1" dur="indefinite" restart="never" nodeType="tmRoot"/>
+      </p:par>
+    </p:tnLst>
+  </p:timing>
 </p:sld>
 </file>
 
@@ -5098,6 +5020,13 @@
   <p:clrMapOvr>
     <a:masterClrMapping/>
   </p:clrMapOvr>
+  <p:timing>
+    <p:tnLst>
+      <p:par>
+        <p:cTn id="1" dur="indefinite" restart="never" nodeType="tmRoot"/>
+      </p:par>
+    </p:tnLst>
+  </p:timing>
 </p:sld>
 </file>
 
@@ -5183,9 +5112,32 @@
           </a:p>
           <a:p>
             <a:r>
-              <a:rPr lang="it-CH" dirty="0"/>
-              <a:t>Struttura Database generale</a:t>
-            </a:r>
+              <a:rPr lang="it-CH" dirty="0" smtClean="0"/>
+              <a:t>Gestione</a:t>
+            </a:r>
+            <a:endParaRPr lang="it-CH" dirty="0" smtClean="0"/>
+          </a:p>
+          <a:p>
+            <a:pPr lvl="1"/>
+            <a:r>
+              <a:rPr lang="it-CH" dirty="0" smtClean="0"/>
+              <a:t>Aule</a:t>
+            </a:r>
+          </a:p>
+          <a:p>
+            <a:pPr lvl="1"/>
+            <a:r>
+              <a:rPr lang="it-CH" dirty="0" smtClean="0"/>
+              <a:t>Arduini</a:t>
+            </a:r>
+          </a:p>
+          <a:p>
+            <a:pPr lvl="1"/>
+            <a:r>
+              <a:rPr lang="it-CH" dirty="0" smtClean="0"/>
+              <a:t>Moduli</a:t>
+            </a:r>
+            <a:endParaRPr lang="it-CH" dirty="0"/>
           </a:p>
           <a:p>
             <a:r>
@@ -5253,6 +5205,13 @@
   <p:clrMapOvr>
     <a:masterClrMapping/>
   </p:clrMapOvr>
+  <p:timing>
+    <p:tnLst>
+      <p:par>
+        <p:cTn id="1" dur="indefinite" restart="never" nodeType="tmRoot"/>
+      </p:par>
+    </p:tnLst>
+  </p:timing>
 </p:sld>
 </file>
 
@@ -5658,6 +5617,13 @@
   <p:clrMapOvr>
     <a:masterClrMapping/>
   </p:clrMapOvr>
+  <p:timing>
+    <p:tnLst>
+      <p:par>
+        <p:cTn id="1" dur="indefinite" restart="never" nodeType="tmRoot"/>
+      </p:par>
+    </p:tnLst>
+  </p:timing>
 </p:sld>
 </file>
 
@@ -5683,96 +5649,6 @@
           <p:cNvPr id="2" name="Title 1">
             <a:extLst>
               <a:ext uri="{FF2B5EF4-FFF2-40B4-BE49-F238E27FC236}">
-                <a16:creationId xmlns:a16="http://schemas.microsoft.com/office/drawing/2014/main" id="{45A440B7-F453-489C-B434-7603DFB2E50E}"/>
-              </a:ext>
-            </a:extLst>
-          </p:cNvPr>
-          <p:cNvSpPr>
-            <a:spLocks noGrp="1"/>
-          </p:cNvSpPr>
-          <p:nvPr>
-            <p:ph type="title"/>
-          </p:nvPr>
-        </p:nvSpPr>
-        <p:spPr/>
-        <p:txBody>
-          <a:bodyPr/>
-          <a:lstStyle/>
-          <a:p>
-            <a:endParaRPr lang="it-CH"/>
-          </a:p>
-        </p:txBody>
-      </p:sp>
-      <p:pic>
-        <p:nvPicPr>
-          <p:cNvPr id="5" name="Content Placeholder 4">
-            <a:extLst>
-              <a:ext uri="{FF2B5EF4-FFF2-40B4-BE49-F238E27FC236}">
-                <a16:creationId xmlns:a16="http://schemas.microsoft.com/office/drawing/2014/main" id="{F1A9D332-BA11-4E84-A087-0E6508586A3E}"/>
-              </a:ext>
-            </a:extLst>
-          </p:cNvPr>
-          <p:cNvPicPr>
-            <a:picLocks noGrp="1" noChangeAspect="1"/>
-          </p:cNvPicPr>
-          <p:nvPr>
-            <p:ph idx="1"/>
-          </p:nvPr>
-        </p:nvPicPr>
-        <p:blipFill>
-          <a:blip r:embed="rId3">
-            <a:extLst>
-              <a:ext uri="{28A0092B-C50C-407E-A947-70E740481C1C}">
-                <a14:useLocalDpi xmlns:a14="http://schemas.microsoft.com/office/drawing/2010/main" val="0"/>
-              </a:ext>
-            </a:extLst>
-          </a:blip>
-          <a:stretch>
-            <a:fillRect/>
-          </a:stretch>
-        </p:blipFill>
-        <p:spPr>
-          <a:xfrm>
-            <a:off x="68239" y="257453"/>
-            <a:ext cx="12055521" cy="6235422"/>
-          </a:xfrm>
-        </p:spPr>
-      </p:pic>
-    </p:spTree>
-    <p:extLst>
-      <p:ext uri="{BB962C8B-B14F-4D97-AF65-F5344CB8AC3E}">
-        <p14:creationId xmlns:p14="http://schemas.microsoft.com/office/powerpoint/2010/main" val="4216114935"/>
-      </p:ext>
-    </p:extLst>
-  </p:cSld>
-  <p:clrMapOvr>
-    <a:masterClrMapping/>
-  </p:clrMapOvr>
-</p:sld>
-</file>
-
-<file path=ppt/slides/slide14.xml><?xml version="1.0" encoding="utf-8"?>
-<p:sld xmlns:a="http://schemas.openxmlformats.org/drawingml/2006/main" xmlns:r="http://schemas.openxmlformats.org/officeDocument/2006/relationships" xmlns:p="http://schemas.openxmlformats.org/presentationml/2006/main">
-  <p:cSld>
-    <p:spTree>
-      <p:nvGrpSpPr>
-        <p:cNvPr id="1" name=""/>
-        <p:cNvGrpSpPr/>
-        <p:nvPr/>
-      </p:nvGrpSpPr>
-      <p:grpSpPr>
-        <a:xfrm>
-          <a:off x="0" y="0"/>
-          <a:ext cx="0" cy="0"/>
-          <a:chOff x="0" y="0"/>
-          <a:chExt cx="0" cy="0"/>
-        </a:xfrm>
-      </p:grpSpPr>
-      <p:sp>
-        <p:nvSpPr>
-          <p:cNvPr id="2" name="Title 1">
-            <a:extLst>
-              <a:ext uri="{FF2B5EF4-FFF2-40B4-BE49-F238E27FC236}">
                 <a16:creationId xmlns:a16="http://schemas.microsoft.com/office/drawing/2014/main" id="{7F41E4F4-73D1-48E9-AFD3-D287D349CFBF}"/>
               </a:ext>
             </a:extLst>
@@ -5880,7 +5756,7 @@
 </p:sld>
 </file>
 
-<file path=ppt/slides/slide15.xml><?xml version="1.0" encoding="utf-8"?>
+<file path=ppt/slides/slide14.xml><?xml version="1.0" encoding="utf-8"?>
 <p:sld xmlns:a="http://schemas.openxmlformats.org/drawingml/2006/main" xmlns:r="http://schemas.openxmlformats.org/officeDocument/2006/relationships" xmlns:p="http://schemas.openxmlformats.org/presentationml/2006/main">
   <p:cSld>
     <p:spTree>
@@ -5960,7 +5836,13 @@
       </p:grpSpPr>
       <p:sp>
         <p:nvSpPr>
-          <p:cNvPr id="2" name="Title 1"/>
+          <p:cNvPr id="2" name="Title 1">
+            <a:extLst>
+              <a:ext uri="{FF2B5EF4-FFF2-40B4-BE49-F238E27FC236}">
+                <a16:creationId xmlns:a16="http://schemas.microsoft.com/office/drawing/2014/main" id="{7F41E4F4-73D1-48E9-AFD3-D287D349CFBF}"/>
+              </a:ext>
+            </a:extLst>
+          </p:cNvPr>
           <p:cNvSpPr>
             <a:spLocks noGrp="1"/>
           </p:cNvSpPr>
@@ -5973,23 +5855,26 @@
           <a:bodyPr/>
           <a:lstStyle/>
           <a:p>
-            <a:r>
-              <a:rPr lang="it-CH" dirty="0" smtClean="0">
+            <a:pPr algn="ctr"/>
+            <a:r>
+              <a:rPr lang="it-CH" dirty="0">
                 <a:latin typeface="Helvetica" panose="020B0604020202020204" pitchFamily="34" charset="0"/>
                 <a:cs typeface="Helvetica" panose="020B0604020202020204" pitchFamily="34" charset="0"/>
               </a:rPr>
-              <a:t>Chi siamo?</a:t>
-            </a:r>
-            <a:endParaRPr lang="en-US" dirty="0">
-              <a:latin typeface="Helvetica" panose="020B0604020202020204" pitchFamily="34" charset="0"/>
-              <a:cs typeface="Helvetica" panose="020B0604020202020204" pitchFamily="34" charset="0"/>
-            </a:endParaRPr>
-          </a:p>
-        </p:txBody>
-      </p:sp>
-      <p:sp>
-        <p:nvSpPr>
-          <p:cNvPr id="3" name="Content Placeholder 2"/>
+              <a:t>Introduzione</a:t>
+            </a:r>
+          </a:p>
+        </p:txBody>
+      </p:sp>
+      <p:sp>
+        <p:nvSpPr>
+          <p:cNvPr id="3" name="Content Placeholder 2">
+            <a:extLst>
+              <a:ext uri="{FF2B5EF4-FFF2-40B4-BE49-F238E27FC236}">
+                <a16:creationId xmlns:a16="http://schemas.microsoft.com/office/drawing/2014/main" id="{CEAD64F6-9F54-4194-94B8-A5D6727B3EC4}"/>
+              </a:ext>
+            </a:extLst>
+          </p:cNvPr>
           <p:cNvSpPr>
             <a:spLocks noGrp="1"/>
           </p:cNvSpPr>
@@ -5997,94 +5882,67 @@
             <p:ph idx="1"/>
           </p:nvPr>
         </p:nvSpPr>
-        <p:spPr/>
-        <p:txBody>
-          <a:bodyPr/>
-          <a:lstStyle/>
-          <a:p>
-            <a:r>
-              <a:rPr lang="it-CH" dirty="0" smtClean="0"/>
-              <a:t>Mattia Ruberto</a:t>
-            </a:r>
-          </a:p>
-          <a:p>
-            <a:pPr lvl="1"/>
-            <a:r>
-              <a:rPr lang="it-CH" dirty="0">
-                <a:hlinkClick r:id="rId3"/>
-              </a:rPr>
-              <a:t>m</a:t>
-            </a:r>
-            <a:r>
-              <a:rPr lang="it-CH" dirty="0" smtClean="0">
-                <a:hlinkClick r:id="rId3"/>
-              </a:rPr>
-              <a:t>attia.ruberto@samtrevano.ch</a:t>
-            </a:r>
-            <a:endParaRPr lang="it-CH" dirty="0" smtClean="0"/>
-          </a:p>
-          <a:p>
-            <a:r>
-              <a:rPr lang="it-CH" dirty="0" smtClean="0"/>
-              <a:t>Giulio Bosco</a:t>
-            </a:r>
+        <p:spPr>
+          <a:xfrm>
+            <a:off x="838200" y="2024109"/>
+            <a:ext cx="10515600" cy="4152854"/>
+          </a:xfrm>
+        </p:spPr>
+        <p:txBody>
+          <a:bodyPr/>
+          <a:lstStyle/>
+          <a:p>
+            <a:r>
+              <a:rPr lang="it-CH" dirty="0"/>
+              <a:t>Interruttori luci scomodi</a:t>
+            </a:r>
+          </a:p>
+          <a:p>
+            <a:r>
+              <a:rPr lang="it-CH" dirty="0"/>
+              <a:t>Tende manuali</a:t>
+            </a:r>
+          </a:p>
+          <a:p>
+            <a:r>
+              <a:rPr lang="it-CH" dirty="0"/>
+              <a:t>Telecomando beamer</a:t>
+            </a:r>
+          </a:p>
+          <a:p>
             <a:endParaRPr lang="it-CH" dirty="0"/>
           </a:p>
           <a:p>
-            <a:pPr lvl="1"/>
-            <a:r>
-              <a:rPr lang="it-CH" dirty="0" smtClean="0">
-                <a:hlinkClick r:id="rId4"/>
-              </a:rPr>
-              <a:t>giulio.bosco@samtrevano.ch</a:t>
-            </a:r>
-            <a:endParaRPr lang="it-CH" dirty="0" smtClean="0"/>
-          </a:p>
-          <a:p>
-            <a:r>
-              <a:rPr lang="it-CH" dirty="0" smtClean="0"/>
-              <a:t>Paolo Gübeli</a:t>
-            </a:r>
             <a:endParaRPr lang="it-CH" dirty="0"/>
           </a:p>
           <a:p>
-            <a:pPr lvl="1"/>
-            <a:r>
-              <a:rPr lang="it-CH" dirty="0" smtClean="0">
-                <a:hlinkClick r:id="rId5"/>
-              </a:rPr>
-              <a:t>Paolo.guebli@samtrevano.ch</a:t>
-            </a:r>
             <a:endParaRPr lang="it-CH" dirty="0"/>
           </a:p>
           <a:p>
-            <a:pPr marL="457200" lvl="1" indent="0">
-              <a:buNone/>
-            </a:pPr>
-            <a:endParaRPr lang="it-CH" dirty="0" smtClean="0"/>
-          </a:p>
-          <a:p>
-            <a:pPr lvl="1"/>
             <a:endParaRPr lang="it-CH" dirty="0"/>
           </a:p>
           <a:p>
-            <a:pPr marL="457200" lvl="1" indent="0">
-              <a:buNone/>
-            </a:pPr>
-            <a:endParaRPr lang="it-CH" dirty="0" smtClean="0"/>
+            <a:endParaRPr lang="it-CH" dirty="0"/>
           </a:p>
         </p:txBody>
       </p:sp>
     </p:spTree>
     <p:extLst>
       <p:ext uri="{BB962C8B-B14F-4D97-AF65-F5344CB8AC3E}">
-        <p14:creationId xmlns:p14="http://schemas.microsoft.com/office/powerpoint/2010/main" val="412163067"/>
+        <p14:creationId xmlns:p14="http://schemas.microsoft.com/office/powerpoint/2010/main" val="4262255244"/>
       </p:ext>
     </p:extLst>
   </p:cSld>
   <p:clrMapOvr>
     <a:masterClrMapping/>
   </p:clrMapOvr>
+  <p:timing>
+    <p:tnLst>
+      <p:par>
+        <p:cTn id="1" dur="indefinite" restart="never" nodeType="tmRoot"/>
+      </p:par>
+    </p:tnLst>
+  </p:timing>
 </p:sld>
 </file>
 
@@ -6128,12 +5986,16 @@
           <a:p>
             <a:pPr algn="ctr"/>
             <a:r>
-              <a:rPr lang="it-CH" dirty="0">
+              <a:rPr lang="it-CH" dirty="0" smtClean="0">
                 <a:latin typeface="Helvetica" panose="020B0604020202020204" pitchFamily="34" charset="0"/>
                 <a:cs typeface="Helvetica" panose="020B0604020202020204" pitchFamily="34" charset="0"/>
               </a:rPr>
-              <a:t>Introduzione</a:t>
-            </a:r>
+              <a:t>Soluzione adottata</a:t>
+            </a:r>
+            <a:endParaRPr lang="it-CH" dirty="0">
+              <a:latin typeface="Helvetica" panose="020B0604020202020204" pitchFamily="34" charset="0"/>
+              <a:cs typeface="Helvetica" panose="020B0604020202020204" pitchFamily="34" charset="0"/>
+            </a:endParaRPr>
           </a:p>
         </p:txBody>
       </p:sp>
@@ -6164,24 +6026,43 @@
           <a:lstStyle/>
           <a:p>
             <a:r>
+              <a:rPr lang="it-CH" dirty="0" smtClean="0"/>
+              <a:t>Utilizzo della domotica</a:t>
+            </a:r>
+            <a:endParaRPr lang="it-CH" dirty="0"/>
+          </a:p>
+          <a:p>
+            <a:pPr lvl="1"/>
+            <a:r>
+              <a:rPr lang="it-CH" dirty="0" smtClean="0"/>
+              <a:t>Controllo </a:t>
+            </a:r>
+            <a:r>
               <a:rPr lang="it-CH" dirty="0"/>
-              <a:t>Interruttori luci scomodi</a:t>
-            </a:r>
-          </a:p>
-          <a:p>
+              <a:t>da remoto</a:t>
+            </a:r>
+          </a:p>
+          <a:p>
+            <a:pPr lvl="1"/>
+            <a:r>
+              <a:rPr lang="it-CH" dirty="0" smtClean="0"/>
+              <a:t>Gestione </a:t>
+            </a:r>
             <a:r>
               <a:rPr lang="it-CH" dirty="0"/>
-              <a:t>Tende manuali</a:t>
-            </a:r>
-          </a:p>
-          <a:p>
+              <a:t>luci, tende e beamer</a:t>
+            </a:r>
+          </a:p>
+          <a:p>
+            <a:pPr lvl="1"/>
+            <a:r>
+              <a:rPr lang="it-CH" dirty="0" smtClean="0"/>
+              <a:t>Accesso </a:t>
+            </a:r>
             <a:r>
               <a:rPr lang="it-CH" dirty="0"/>
-              <a:t>Telecomando beamer</a:t>
-            </a:r>
-          </a:p>
-          <a:p>
-            <a:endParaRPr lang="it-CH" dirty="0"/>
+              <a:t>limitato</a:t>
+            </a:r>
           </a:p>
           <a:p>
             <a:endParaRPr lang="it-CH" dirty="0"/>
@@ -6200,13 +6081,20 @@
     </p:spTree>
     <p:extLst>
       <p:ext uri="{BB962C8B-B14F-4D97-AF65-F5344CB8AC3E}">
-        <p14:creationId xmlns:p14="http://schemas.microsoft.com/office/powerpoint/2010/main" val="4262255244"/>
+        <p14:creationId xmlns:p14="http://schemas.microsoft.com/office/powerpoint/2010/main" val="2117330860"/>
       </p:ext>
     </p:extLst>
   </p:cSld>
   <p:clrMapOvr>
     <a:masterClrMapping/>
   </p:clrMapOvr>
+  <p:timing>
+    <p:tnLst>
+      <p:par>
+        <p:cTn id="1" dur="indefinite" restart="never" nodeType="tmRoot"/>
+      </p:par>
+    </p:tnLst>
+  </p:timing>
 </p:sld>
 </file>
 
@@ -6232,7 +6120,7 @@
           <p:cNvPr id="2" name="Title 1">
             <a:extLst>
               <a:ext uri="{FF2B5EF4-FFF2-40B4-BE49-F238E27FC236}">
-                <a16:creationId xmlns:a16="http://schemas.microsoft.com/office/drawing/2014/main" id="{7F41E4F4-73D1-48E9-AFD3-D287D349CFBF}"/>
+                <a16:creationId xmlns:a16="http://schemas.microsoft.com/office/drawing/2014/main" id="{45A440B7-F453-489C-B434-7603DFB2E50E}"/>
               </a:ext>
             </a:extLst>
           </p:cNvPr>
@@ -6248,110 +6136,62 @@
           <a:bodyPr/>
           <a:lstStyle/>
           <a:p>
-            <a:pPr algn="ctr"/>
-            <a:r>
-              <a:rPr lang="it-CH" dirty="0" smtClean="0">
-                <a:latin typeface="Helvetica" panose="020B0604020202020204" pitchFamily="34" charset="0"/>
-                <a:cs typeface="Helvetica" panose="020B0604020202020204" pitchFamily="34" charset="0"/>
-              </a:rPr>
-              <a:t>Soluzione adottata</a:t>
-            </a:r>
-            <a:endParaRPr lang="it-CH" dirty="0">
-              <a:latin typeface="Helvetica" panose="020B0604020202020204" pitchFamily="34" charset="0"/>
-              <a:cs typeface="Helvetica" panose="020B0604020202020204" pitchFamily="34" charset="0"/>
-            </a:endParaRPr>
-          </a:p>
-        </p:txBody>
-      </p:sp>
-      <p:sp>
-        <p:nvSpPr>
-          <p:cNvPr id="3" name="Content Placeholder 2">
-            <a:extLst>
-              <a:ext uri="{FF2B5EF4-FFF2-40B4-BE49-F238E27FC236}">
-                <a16:creationId xmlns:a16="http://schemas.microsoft.com/office/drawing/2014/main" id="{CEAD64F6-9F54-4194-94B8-A5D6727B3EC4}"/>
-              </a:ext>
-            </a:extLst>
-          </p:cNvPr>
-          <p:cNvSpPr>
-            <a:spLocks noGrp="1"/>
-          </p:cNvSpPr>
+            <a:endParaRPr lang="it-CH"/>
+          </a:p>
+        </p:txBody>
+      </p:sp>
+      <p:pic>
+        <p:nvPicPr>
+          <p:cNvPr id="5" name="Content Placeholder 4">
+            <a:extLst>
+              <a:ext uri="{FF2B5EF4-FFF2-40B4-BE49-F238E27FC236}">
+                <a16:creationId xmlns:a16="http://schemas.microsoft.com/office/drawing/2014/main" id="{F1A9D332-BA11-4E84-A087-0E6508586A3E}"/>
+              </a:ext>
+            </a:extLst>
+          </p:cNvPr>
+          <p:cNvPicPr>
+            <a:picLocks noGrp="1" noChangeAspect="1"/>
+          </p:cNvPicPr>
           <p:nvPr>
             <p:ph idx="1"/>
           </p:nvPr>
-        </p:nvSpPr>
+        </p:nvPicPr>
+        <p:blipFill>
+          <a:blip r:embed="rId3">
+            <a:extLst>
+              <a:ext uri="{28A0092B-C50C-407E-A947-70E740481C1C}">
+                <a14:useLocalDpi xmlns:a14="http://schemas.microsoft.com/office/drawing/2010/main" val="0"/>
+              </a:ext>
+            </a:extLst>
+          </a:blip>
+          <a:stretch>
+            <a:fillRect/>
+          </a:stretch>
+        </p:blipFill>
         <p:spPr>
           <a:xfrm>
-            <a:off x="838200" y="2024109"/>
-            <a:ext cx="10515600" cy="4152854"/>
+            <a:off x="68239" y="257453"/>
+            <a:ext cx="12055521" cy="6235422"/>
           </a:xfrm>
         </p:spPr>
-        <p:txBody>
-          <a:bodyPr/>
-          <a:lstStyle/>
-          <a:p>
-            <a:r>
-              <a:rPr lang="it-CH" dirty="0" smtClean="0"/>
-              <a:t>Utilizzo della domotica</a:t>
-            </a:r>
-            <a:endParaRPr lang="it-CH" dirty="0"/>
-          </a:p>
-          <a:p>
-            <a:pPr lvl="1"/>
-            <a:r>
-              <a:rPr lang="it-CH" dirty="0" smtClean="0"/>
-              <a:t>Controllo </a:t>
-            </a:r>
-            <a:r>
-              <a:rPr lang="it-CH" dirty="0"/>
-              <a:t>da remoto</a:t>
-            </a:r>
-          </a:p>
-          <a:p>
-            <a:pPr lvl="1"/>
-            <a:r>
-              <a:rPr lang="it-CH" dirty="0" smtClean="0"/>
-              <a:t>Gestione </a:t>
-            </a:r>
-            <a:r>
-              <a:rPr lang="it-CH" dirty="0"/>
-              <a:t>luci, tende e beamer</a:t>
-            </a:r>
-          </a:p>
-          <a:p>
-            <a:pPr lvl="1"/>
-            <a:r>
-              <a:rPr lang="it-CH" dirty="0" smtClean="0"/>
-              <a:t>Accesso </a:t>
-            </a:r>
-            <a:r>
-              <a:rPr lang="it-CH" dirty="0"/>
-              <a:t>limitato</a:t>
-            </a:r>
-          </a:p>
-          <a:p>
-            <a:endParaRPr lang="it-CH" dirty="0"/>
-          </a:p>
-          <a:p>
-            <a:endParaRPr lang="it-CH" dirty="0"/>
-          </a:p>
-          <a:p>
-            <a:endParaRPr lang="it-CH" dirty="0"/>
-          </a:p>
-          <a:p>
-            <a:endParaRPr lang="it-CH" dirty="0"/>
-          </a:p>
-        </p:txBody>
-      </p:sp>
+      </p:pic>
     </p:spTree>
     <p:extLst>
       <p:ext uri="{BB962C8B-B14F-4D97-AF65-F5344CB8AC3E}">
-        <p14:creationId xmlns:p14="http://schemas.microsoft.com/office/powerpoint/2010/main" val="2117330860"/>
+        <p14:creationId xmlns:p14="http://schemas.microsoft.com/office/powerpoint/2010/main" val="4216114935"/>
       </p:ext>
     </p:extLst>
   </p:cSld>
   <p:clrMapOvr>
     <a:masterClrMapping/>
   </p:clrMapOvr>
+  <p:timing>
+    <p:tnLst>
+      <p:par>
+        <p:cTn id="1" dur="indefinite" restart="never" nodeType="tmRoot"/>
+      </p:par>
+    </p:tnLst>
+  </p:timing>
 </p:sld>
 </file>
 
@@ -6483,6 +6323,13 @@
   <p:clrMapOvr>
     <a:masterClrMapping/>
   </p:clrMapOvr>
+  <p:timing>
+    <p:tnLst>
+      <p:par>
+        <p:cTn id="1" dur="indefinite" restart="never" nodeType="tmRoot"/>
+      </p:par>
+    </p:tnLst>
+  </p:timing>
 </p:sld>
 </file>
 
@@ -6671,6 +6518,13 @@
   <p:clrMapOvr>
     <a:masterClrMapping/>
   </p:clrMapOvr>
+  <p:timing>
+    <p:tnLst>
+      <p:par>
+        <p:cTn id="1" dur="indefinite" restart="never" nodeType="tmRoot"/>
+      </p:par>
+    </p:tnLst>
+  </p:timing>
 </p:sld>
 </file>
 
@@ -6829,6 +6683,13 @@
   <p:clrMapOvr>
     <a:masterClrMapping/>
   </p:clrMapOvr>
+  <p:timing>
+    <p:tnLst>
+      <p:par>
+        <p:cTn id="1" dur="indefinite" restart="never" nodeType="tmRoot"/>
+      </p:par>
+    </p:tnLst>
+  </p:timing>
 </p:sld>
 </file>
 
@@ -6954,6 +6815,13 @@
   <p:clrMapOvr>
     <a:masterClrMapping/>
   </p:clrMapOvr>
+  <p:timing>
+    <p:tnLst>
+      <p:par>
+        <p:cTn id="1" dur="indefinite" restart="never" nodeType="tmRoot"/>
+      </p:par>
+    </p:tnLst>
+  </p:timing>
 </p:sld>
 </file>
 
@@ -7043,6 +6911,13 @@
   <p:clrMapOvr>
     <a:masterClrMapping/>
   </p:clrMapOvr>
+  <p:timing>
+    <p:tnLst>
+      <p:par>
+        <p:cTn id="1" dur="indefinite" restart="never" nodeType="tmRoot"/>
+      </p:par>
+    </p:tnLst>
+  </p:timing>
 </p:sld>
 </file>
 
